--- a/컴퓨터공학과_졸업작품_NFC.pptx
+++ b/컴퓨터공학과_졸업작품_NFC.pptx
@@ -126,7 +126,7 @@
   </p:defaultTextStyle>
   <p:extLst>
     <p:ext uri="{EFAFB233-063F-42B5-8137-9DF3F51BA10A}">
-      <p15:sldGuideLst xmlns:p15="http://schemas.microsoft.com/office/powerpoint/2012/main" xmlns="">
+      <p15:sldGuideLst xmlns="" xmlns:p15="http://schemas.microsoft.com/office/powerpoint/2012/main">
         <p15:guide id="1" orient="horz" pos="2160">
           <p15:clr>
             <a:srgbClr val="A4A3A4"/>
@@ -226,7 +226,7 @@
             <a:fld id="{65771C21-3757-4199-83DE-22960358A2A5}" type="datetimeFigureOut">
               <a:rPr lang="ko-KR" altLang="en-US" smtClean="0"/>
               <a:pPr/>
-              <a:t>2019-12-02</a:t>
+              <a:t>2019-12-04</a:t>
             </a:fld>
             <a:endParaRPr lang="ko-KR" altLang="en-US"/>
           </a:p>
@@ -651,7 +651,7 @@
     </p:spTree>
     <p:extLst>
       <p:ext uri="{BB962C8B-B14F-4D97-AF65-F5344CB8AC3E}">
-        <p14:creationId xmlns:p14="http://schemas.microsoft.com/office/powerpoint/2010/main" xmlns="" val="1821770616"/>
+        <p14:creationId xmlns="" xmlns:p14="http://schemas.microsoft.com/office/powerpoint/2010/main" val="1821770616"/>
       </p:ext>
     </p:extLst>
   </p:cSld>
@@ -738,7 +738,7 @@
     </p:spTree>
     <p:extLst>
       <p:ext uri="{BB962C8B-B14F-4D97-AF65-F5344CB8AC3E}">
-        <p14:creationId xmlns:p14="http://schemas.microsoft.com/office/powerpoint/2010/main" xmlns="" val="2592892379"/>
+        <p14:creationId xmlns="" xmlns:p14="http://schemas.microsoft.com/office/powerpoint/2010/main" val="2592892379"/>
       </p:ext>
     </p:extLst>
   </p:cSld>
@@ -825,7 +825,7 @@
     </p:spTree>
     <p:extLst>
       <p:ext uri="{BB962C8B-B14F-4D97-AF65-F5344CB8AC3E}">
-        <p14:creationId xmlns:p14="http://schemas.microsoft.com/office/powerpoint/2010/main" xmlns="" val="1492661782"/>
+        <p14:creationId xmlns="" xmlns:p14="http://schemas.microsoft.com/office/powerpoint/2010/main" val="1492661782"/>
       </p:ext>
     </p:extLst>
   </p:cSld>
@@ -912,7 +912,7 @@
     </p:spTree>
     <p:extLst>
       <p:ext uri="{BB962C8B-B14F-4D97-AF65-F5344CB8AC3E}">
-        <p14:creationId xmlns:p14="http://schemas.microsoft.com/office/powerpoint/2010/main" xmlns="" val="540177157"/>
+        <p14:creationId xmlns="" xmlns:p14="http://schemas.microsoft.com/office/powerpoint/2010/main" val="540177157"/>
       </p:ext>
     </p:extLst>
   </p:cSld>
@@ -999,7 +999,7 @@
     </p:spTree>
     <p:extLst>
       <p:ext uri="{BB962C8B-B14F-4D97-AF65-F5344CB8AC3E}">
-        <p14:creationId xmlns:p14="http://schemas.microsoft.com/office/powerpoint/2010/main" xmlns="" val="945626105"/>
+        <p14:creationId xmlns="" xmlns:p14="http://schemas.microsoft.com/office/powerpoint/2010/main" val="945626105"/>
       </p:ext>
     </p:extLst>
   </p:cSld>
@@ -1086,7 +1086,7 @@
     </p:spTree>
     <p:extLst>
       <p:ext uri="{BB962C8B-B14F-4D97-AF65-F5344CB8AC3E}">
-        <p14:creationId xmlns:p14="http://schemas.microsoft.com/office/powerpoint/2010/main" xmlns="" val="944157092"/>
+        <p14:creationId xmlns="" xmlns:p14="http://schemas.microsoft.com/office/powerpoint/2010/main" val="944157092"/>
       </p:ext>
     </p:extLst>
   </p:cSld>
@@ -1173,7 +1173,7 @@
     </p:spTree>
     <p:extLst>
       <p:ext uri="{BB962C8B-B14F-4D97-AF65-F5344CB8AC3E}">
-        <p14:creationId xmlns:p14="http://schemas.microsoft.com/office/powerpoint/2010/main" xmlns="" val="104763617"/>
+        <p14:creationId xmlns="" xmlns:p14="http://schemas.microsoft.com/office/powerpoint/2010/main" val="104763617"/>
       </p:ext>
     </p:extLst>
   </p:cSld>
@@ -1260,7 +1260,7 @@
     </p:spTree>
     <p:extLst>
       <p:ext uri="{BB962C8B-B14F-4D97-AF65-F5344CB8AC3E}">
-        <p14:creationId xmlns:p14="http://schemas.microsoft.com/office/powerpoint/2010/main" xmlns="" val="4067530595"/>
+        <p14:creationId xmlns="" xmlns:p14="http://schemas.microsoft.com/office/powerpoint/2010/main" val="4067530595"/>
       </p:ext>
     </p:extLst>
   </p:cSld>
@@ -1429,7 +1429,7 @@
     </p:spTree>
     <p:extLst>
       <p:ext uri="{BB962C8B-B14F-4D97-AF65-F5344CB8AC3E}">
-        <p14:creationId xmlns:p14="http://schemas.microsoft.com/office/powerpoint/2010/main" xmlns="" val="2417792409"/>
+        <p14:creationId xmlns="" xmlns:p14="http://schemas.microsoft.com/office/powerpoint/2010/main" val="2417792409"/>
       </p:ext>
     </p:extLst>
   </p:cSld>
@@ -1598,7 +1598,7 @@
     </p:spTree>
     <p:extLst>
       <p:ext uri="{BB962C8B-B14F-4D97-AF65-F5344CB8AC3E}">
-        <p14:creationId xmlns:p14="http://schemas.microsoft.com/office/powerpoint/2010/main" xmlns="" val="1668113890"/>
+        <p14:creationId xmlns="" xmlns:p14="http://schemas.microsoft.com/office/powerpoint/2010/main" val="1668113890"/>
       </p:ext>
     </p:extLst>
   </p:cSld>
@@ -1685,7 +1685,7 @@
     </p:spTree>
     <p:extLst>
       <p:ext uri="{BB962C8B-B14F-4D97-AF65-F5344CB8AC3E}">
-        <p14:creationId xmlns:p14="http://schemas.microsoft.com/office/powerpoint/2010/main" xmlns="" val="3395565681"/>
+        <p14:creationId xmlns="" xmlns:p14="http://schemas.microsoft.com/office/powerpoint/2010/main" val="3395565681"/>
       </p:ext>
     </p:extLst>
   </p:cSld>
@@ -1854,7 +1854,7 @@
     </p:spTree>
     <p:extLst>
       <p:ext uri="{BB962C8B-B14F-4D97-AF65-F5344CB8AC3E}">
-        <p14:creationId xmlns:p14="http://schemas.microsoft.com/office/powerpoint/2010/main" xmlns="" val="700996359"/>
+        <p14:creationId xmlns="" xmlns:p14="http://schemas.microsoft.com/office/powerpoint/2010/main" val="700996359"/>
       </p:ext>
     </p:extLst>
   </p:cSld>
@@ -1941,7 +1941,7 @@
     </p:spTree>
     <p:extLst>
       <p:ext uri="{BB962C8B-B14F-4D97-AF65-F5344CB8AC3E}">
-        <p14:creationId xmlns:p14="http://schemas.microsoft.com/office/powerpoint/2010/main" xmlns="" val="3820929154"/>
+        <p14:creationId xmlns="" xmlns:p14="http://schemas.microsoft.com/office/powerpoint/2010/main" val="3820929154"/>
       </p:ext>
     </p:extLst>
   </p:cSld>
@@ -2028,7 +2028,7 @@
     </p:spTree>
     <p:extLst>
       <p:ext uri="{BB962C8B-B14F-4D97-AF65-F5344CB8AC3E}">
-        <p14:creationId xmlns:p14="http://schemas.microsoft.com/office/powerpoint/2010/main" xmlns="" val="3015753027"/>
+        <p14:creationId xmlns="" xmlns:p14="http://schemas.microsoft.com/office/powerpoint/2010/main" val="3015753027"/>
       </p:ext>
     </p:extLst>
   </p:cSld>
@@ -2220,7 +2220,7 @@
             <a:fld id="{A22FE722-38C7-4231-8BB5-7A27D4E5977D}" type="datetimeFigureOut">
               <a:rPr lang="ko-KR" altLang="en-US" smtClean="0"/>
               <a:pPr/>
-              <a:t>2019-12-02</a:t>
+              <a:t>2019-12-04</a:t>
             </a:fld>
             <a:endParaRPr lang="ko-KR" altLang="en-US"/>
           </a:p>
@@ -2387,7 +2387,7 @@
             <a:fld id="{A22FE722-38C7-4231-8BB5-7A27D4E5977D}" type="datetimeFigureOut">
               <a:rPr lang="ko-KR" altLang="en-US" smtClean="0"/>
               <a:pPr/>
-              <a:t>2019-12-02</a:t>
+              <a:t>2019-12-04</a:t>
             </a:fld>
             <a:endParaRPr lang="ko-KR" altLang="en-US"/>
           </a:p>
@@ -2564,7 +2564,7 @@
             <a:fld id="{A22FE722-38C7-4231-8BB5-7A27D4E5977D}" type="datetimeFigureOut">
               <a:rPr lang="ko-KR" altLang="en-US" smtClean="0"/>
               <a:pPr/>
-              <a:t>2019-12-02</a:t>
+              <a:t>2019-12-04</a:t>
             </a:fld>
             <a:endParaRPr lang="ko-KR" altLang="en-US"/>
           </a:p>
@@ -2731,7 +2731,7 @@
             <a:fld id="{A22FE722-38C7-4231-8BB5-7A27D4E5977D}" type="datetimeFigureOut">
               <a:rPr lang="ko-KR" altLang="en-US" smtClean="0"/>
               <a:pPr/>
-              <a:t>2019-12-02</a:t>
+              <a:t>2019-12-04</a:t>
             </a:fld>
             <a:endParaRPr lang="ko-KR" altLang="en-US"/>
           </a:p>
@@ -2974,7 +2974,7 @@
             <a:fld id="{A22FE722-38C7-4231-8BB5-7A27D4E5977D}" type="datetimeFigureOut">
               <a:rPr lang="ko-KR" altLang="en-US" smtClean="0"/>
               <a:pPr/>
-              <a:t>2019-12-02</a:t>
+              <a:t>2019-12-04</a:t>
             </a:fld>
             <a:endParaRPr lang="ko-KR" altLang="en-US"/>
           </a:p>
@@ -3259,7 +3259,7 @@
             <a:fld id="{A22FE722-38C7-4231-8BB5-7A27D4E5977D}" type="datetimeFigureOut">
               <a:rPr lang="ko-KR" altLang="en-US" smtClean="0"/>
               <a:pPr/>
-              <a:t>2019-12-02</a:t>
+              <a:t>2019-12-04</a:t>
             </a:fld>
             <a:endParaRPr lang="ko-KR" altLang="en-US"/>
           </a:p>
@@ -3678,7 +3678,7 @@
             <a:fld id="{A22FE722-38C7-4231-8BB5-7A27D4E5977D}" type="datetimeFigureOut">
               <a:rPr lang="ko-KR" altLang="en-US" smtClean="0"/>
               <a:pPr/>
-              <a:t>2019-12-02</a:t>
+              <a:t>2019-12-04</a:t>
             </a:fld>
             <a:endParaRPr lang="ko-KR" altLang="en-US"/>
           </a:p>
@@ -3793,7 +3793,7 @@
             <a:fld id="{A22FE722-38C7-4231-8BB5-7A27D4E5977D}" type="datetimeFigureOut">
               <a:rPr lang="ko-KR" altLang="en-US" smtClean="0"/>
               <a:pPr/>
-              <a:t>2019-12-02</a:t>
+              <a:t>2019-12-04</a:t>
             </a:fld>
             <a:endParaRPr lang="ko-KR" altLang="en-US"/>
           </a:p>
@@ -3885,7 +3885,7 @@
             <a:fld id="{A22FE722-38C7-4231-8BB5-7A27D4E5977D}" type="datetimeFigureOut">
               <a:rPr lang="ko-KR" altLang="en-US" smtClean="0"/>
               <a:pPr/>
-              <a:t>2019-12-02</a:t>
+              <a:t>2019-12-04</a:t>
             </a:fld>
             <a:endParaRPr lang="ko-KR" altLang="en-US"/>
           </a:p>
@@ -4159,7 +4159,7 @@
             <a:fld id="{A22FE722-38C7-4231-8BB5-7A27D4E5977D}" type="datetimeFigureOut">
               <a:rPr lang="ko-KR" altLang="en-US" smtClean="0"/>
               <a:pPr/>
-              <a:t>2019-12-02</a:t>
+              <a:t>2019-12-04</a:t>
             </a:fld>
             <a:endParaRPr lang="ko-KR" altLang="en-US"/>
           </a:p>
@@ -4409,7 +4409,7 @@
             <a:fld id="{A22FE722-38C7-4231-8BB5-7A27D4E5977D}" type="datetimeFigureOut">
               <a:rPr lang="ko-KR" altLang="en-US" smtClean="0"/>
               <a:pPr/>
-              <a:t>2019-12-02</a:t>
+              <a:t>2019-12-04</a:t>
             </a:fld>
             <a:endParaRPr lang="ko-KR" altLang="en-US"/>
           </a:p>
@@ -4619,7 +4619,7 @@
             <a:fld id="{A22FE722-38C7-4231-8BB5-7A27D4E5977D}" type="datetimeFigureOut">
               <a:rPr lang="ko-KR" altLang="en-US" smtClean="0"/>
               <a:pPr/>
-              <a:t>2019-12-02</a:t>
+              <a:t>2019-12-04</a:t>
             </a:fld>
             <a:endParaRPr lang="ko-KR" altLang="en-US"/>
           </a:p>
@@ -5463,14 +5463,14 @@
           <a:effectLst/>
           <a:extLst>
             <a:ext uri="{909E8E84-426E-40DD-AFC4-6F175D3DCCD1}">
-              <a14:hiddenFill xmlns:a14="http://schemas.microsoft.com/office/drawing/2010/main" xmlns="">
+              <a14:hiddenFill xmlns="" xmlns:a14="http://schemas.microsoft.com/office/drawing/2010/main">
                 <a:solidFill>
                   <a:schemeClr val="accent1"/>
                 </a:solidFill>
               </a14:hiddenFill>
             </a:ext>
             <a:ext uri="{91240B29-F687-4F45-9708-019B960494DF}">
-              <a14:hiddenLine xmlns:a14="http://schemas.microsoft.com/office/drawing/2010/main" xmlns="" w="9525">
+              <a14:hiddenLine xmlns="" xmlns:a14="http://schemas.microsoft.com/office/drawing/2010/main" w="9525">
                 <a:solidFill>
                   <a:schemeClr val="tx1"/>
                 </a:solidFill>
@@ -5480,7 +5480,7 @@
               </a14:hiddenLine>
             </a:ext>
             <a:ext uri="{AF507438-7753-43E0-B8FC-AC1667EBCBE1}">
-              <a14:hiddenEffects xmlns:a14="http://schemas.microsoft.com/office/drawing/2010/main" xmlns="">
+              <a14:hiddenEffects xmlns="" xmlns:a14="http://schemas.microsoft.com/office/drawing/2010/main">
                 <a:effectLst>
                   <a:outerShdw dist="35921" dir="2700000" algn="ctr" rotWithShape="0">
                     <a:schemeClr val="bg2"/>
@@ -5526,14 +5526,14 @@
           <a:effectLst/>
           <a:extLst>
             <a:ext uri="{909E8E84-426E-40DD-AFC4-6F175D3DCCD1}">
-              <a14:hiddenFill xmlns:a14="http://schemas.microsoft.com/office/drawing/2010/main" xmlns="">
+              <a14:hiddenFill xmlns="" xmlns:a14="http://schemas.microsoft.com/office/drawing/2010/main">
                 <a:solidFill>
                   <a:schemeClr val="accent1"/>
                 </a:solidFill>
               </a14:hiddenFill>
             </a:ext>
             <a:ext uri="{91240B29-F687-4F45-9708-019B960494DF}">
-              <a14:hiddenLine xmlns:a14="http://schemas.microsoft.com/office/drawing/2010/main" xmlns="" w="9525">
+              <a14:hiddenLine xmlns="" xmlns:a14="http://schemas.microsoft.com/office/drawing/2010/main" w="9525">
                 <a:solidFill>
                   <a:schemeClr val="tx1"/>
                 </a:solidFill>
@@ -5543,7 +5543,7 @@
               </a14:hiddenLine>
             </a:ext>
             <a:ext uri="{AF507438-7753-43E0-B8FC-AC1667EBCBE1}">
-              <a14:hiddenEffects xmlns:a14="http://schemas.microsoft.com/office/drawing/2010/main" xmlns="">
+              <a14:hiddenEffects xmlns="" xmlns:a14="http://schemas.microsoft.com/office/drawing/2010/main">
                 <a:effectLst>
                   <a:outerShdw dist="35921" dir="2700000" algn="ctr" rotWithShape="0">
                     <a:schemeClr val="bg2"/>
@@ -6357,7 +6357,7 @@
           <a:blip r:embed="rId3" cstate="print">
             <a:extLst>
               <a:ext uri="{28A0092B-C50C-407E-A947-70E740481C1C}">
-                <a14:useLocalDpi xmlns:a14="http://schemas.microsoft.com/office/drawing/2010/main" xmlns="" val="0"/>
+                <a14:useLocalDpi xmlns="" xmlns:a14="http://schemas.microsoft.com/office/drawing/2010/main" val="0"/>
               </a:ext>
             </a:extLst>
           </a:blip>
@@ -6402,7 +6402,7 @@
           </a:ln>
           <a:extLst>
             <a:ext uri="{909E8E84-426E-40DD-AFC4-6F175D3DCCD1}">
-              <a14:hiddenFill xmlns:a14="http://schemas.microsoft.com/office/drawing/2010/main" xmlns="">
+              <a14:hiddenFill xmlns="" xmlns:a14="http://schemas.microsoft.com/office/drawing/2010/main">
                 <a:noFill/>
               </a14:hiddenFill>
             </a:ext>
@@ -6447,7 +6447,7 @@
           </a:ln>
           <a:extLst>
             <a:ext uri="{909E8E84-426E-40DD-AFC4-6F175D3DCCD1}">
-              <a14:hiddenFill xmlns:a14="http://schemas.microsoft.com/office/drawing/2010/main" xmlns="">
+              <a14:hiddenFill xmlns="" xmlns:a14="http://schemas.microsoft.com/office/drawing/2010/main">
                 <a:noFill/>
               </a14:hiddenFill>
             </a:ext>
@@ -6624,7 +6624,7 @@
           </a:ln>
           <a:extLst>
             <a:ext uri="{909E8E84-426E-40DD-AFC4-6F175D3DCCD1}">
-              <a14:hiddenFill xmlns:a14="http://schemas.microsoft.com/office/drawing/2010/main" xmlns="">
+              <a14:hiddenFill xmlns="" xmlns:a14="http://schemas.microsoft.com/office/drawing/2010/main">
                 <a:noFill/>
               </a14:hiddenFill>
             </a:ext>
@@ -6669,7 +6669,7 @@
           </a:ln>
           <a:extLst>
             <a:ext uri="{909E8E84-426E-40DD-AFC4-6F175D3DCCD1}">
-              <a14:hiddenFill xmlns:a14="http://schemas.microsoft.com/office/drawing/2010/main" xmlns="">
+              <a14:hiddenFill xmlns="" xmlns:a14="http://schemas.microsoft.com/office/drawing/2010/main">
                 <a:noFill/>
               </a14:hiddenFill>
             </a:ext>
@@ -6762,7 +6762,7 @@
             <a:blip r:embed="rId4" cstate="print">
               <a:extLst>
                 <a:ext uri="{28A0092B-C50C-407E-A947-70E740481C1C}">
-                  <a14:useLocalDpi xmlns:a14="http://schemas.microsoft.com/office/drawing/2010/main" xmlns="" val="0"/>
+                  <a14:useLocalDpi xmlns="" xmlns:a14="http://schemas.microsoft.com/office/drawing/2010/main" val="0"/>
                 </a:ext>
               </a:extLst>
             </a:blip>
@@ -6784,7 +6784,7 @@
     </p:spTree>
     <p:extLst>
       <p:ext uri="{BB962C8B-B14F-4D97-AF65-F5344CB8AC3E}">
-        <p14:creationId xmlns:p14="http://schemas.microsoft.com/office/powerpoint/2010/main" xmlns="" val="2164300827"/>
+        <p14:creationId xmlns="" xmlns:p14="http://schemas.microsoft.com/office/powerpoint/2010/main" val="2164300827"/>
       </p:ext>
     </p:extLst>
   </p:cSld>
@@ -6995,14 +6995,14 @@
           <a:effectLst/>
           <a:extLst>
             <a:ext uri="{909E8E84-426E-40DD-AFC4-6F175D3DCCD1}">
-              <a14:hiddenFill xmlns:a14="http://schemas.microsoft.com/office/drawing/2010/main" xmlns="">
+              <a14:hiddenFill xmlns="" xmlns:a14="http://schemas.microsoft.com/office/drawing/2010/main">
                 <a:solidFill>
                   <a:schemeClr val="accent1"/>
                 </a:solidFill>
               </a14:hiddenFill>
             </a:ext>
             <a:ext uri="{91240B29-F687-4F45-9708-019B960494DF}">
-              <a14:hiddenLine xmlns:a14="http://schemas.microsoft.com/office/drawing/2010/main" xmlns="" w="9525">
+              <a14:hiddenLine xmlns="" xmlns:a14="http://schemas.microsoft.com/office/drawing/2010/main" w="9525">
                 <a:solidFill>
                   <a:schemeClr val="tx1"/>
                 </a:solidFill>
@@ -7012,7 +7012,7 @@
               </a14:hiddenLine>
             </a:ext>
             <a:ext uri="{AF507438-7753-43E0-B8FC-AC1667EBCBE1}">
-              <a14:hiddenEffects xmlns:a14="http://schemas.microsoft.com/office/drawing/2010/main" xmlns="">
+              <a14:hiddenEffects xmlns="" xmlns:a14="http://schemas.microsoft.com/office/drawing/2010/main">
                 <a:effectLst>
                   <a:outerShdw dist="35921" dir="2700000" algn="ctr" rotWithShape="0">
                     <a:schemeClr val="bg2"/>
@@ -7058,14 +7058,14 @@
           <a:effectLst/>
           <a:extLst>
             <a:ext uri="{909E8E84-426E-40DD-AFC4-6F175D3DCCD1}">
-              <a14:hiddenFill xmlns:a14="http://schemas.microsoft.com/office/drawing/2010/main" xmlns="">
+              <a14:hiddenFill xmlns="" xmlns:a14="http://schemas.microsoft.com/office/drawing/2010/main">
                 <a:solidFill>
                   <a:schemeClr val="accent1"/>
                 </a:solidFill>
               </a14:hiddenFill>
             </a:ext>
             <a:ext uri="{91240B29-F687-4F45-9708-019B960494DF}">
-              <a14:hiddenLine xmlns:a14="http://schemas.microsoft.com/office/drawing/2010/main" xmlns="" w="9525">
+              <a14:hiddenLine xmlns="" xmlns:a14="http://schemas.microsoft.com/office/drawing/2010/main" w="9525">
                 <a:solidFill>
                   <a:schemeClr val="tx1"/>
                 </a:solidFill>
@@ -7075,7 +7075,7 @@
               </a14:hiddenLine>
             </a:ext>
             <a:ext uri="{AF507438-7753-43E0-B8FC-AC1667EBCBE1}">
-              <a14:hiddenEffects xmlns:a14="http://schemas.microsoft.com/office/drawing/2010/main" xmlns="">
+              <a14:hiddenEffects xmlns="" xmlns:a14="http://schemas.microsoft.com/office/drawing/2010/main">
                 <a:effectLst>
                   <a:outerShdw dist="35921" dir="2700000" algn="ctr" rotWithShape="0">
                     <a:schemeClr val="bg2"/>
@@ -7259,7 +7259,7 @@
           </a:ln>
           <a:extLst>
             <a:ext uri="{909E8E84-426E-40DD-AFC4-6F175D3DCCD1}">
-              <a14:hiddenFill xmlns:a14="http://schemas.microsoft.com/office/drawing/2010/main" xmlns="">
+              <a14:hiddenFill xmlns="" xmlns:a14="http://schemas.microsoft.com/office/drawing/2010/main">
                 <a:noFill/>
               </a14:hiddenFill>
             </a:ext>
@@ -7598,7 +7598,7 @@
           <a:blip r:embed="rId3" cstate="print">
             <a:extLst>
               <a:ext uri="{28A0092B-C50C-407E-A947-70E740481C1C}">
-                <a14:useLocalDpi xmlns:a14="http://schemas.microsoft.com/office/drawing/2010/main" xmlns="" val="0"/>
+                <a14:useLocalDpi xmlns="" xmlns:a14="http://schemas.microsoft.com/office/drawing/2010/main" val="0"/>
               </a:ext>
             </a:extLst>
           </a:blip>
@@ -7691,7 +7691,7 @@
             <a:blip r:embed="rId4" cstate="print">
               <a:extLst>
                 <a:ext uri="{28A0092B-C50C-407E-A947-70E740481C1C}">
-                  <a14:useLocalDpi xmlns:a14="http://schemas.microsoft.com/office/drawing/2010/main" xmlns="" val="0"/>
+                  <a14:useLocalDpi xmlns="" xmlns:a14="http://schemas.microsoft.com/office/drawing/2010/main" val="0"/>
                 </a:ext>
               </a:extLst>
             </a:blip>
@@ -7987,7 +7987,7 @@
     </p:spTree>
     <p:extLst>
       <p:ext uri="{BB962C8B-B14F-4D97-AF65-F5344CB8AC3E}">
-        <p14:creationId xmlns:p14="http://schemas.microsoft.com/office/powerpoint/2010/main" xmlns="" val="1191408479"/>
+        <p14:creationId xmlns="" xmlns:p14="http://schemas.microsoft.com/office/powerpoint/2010/main" val="1191408479"/>
       </p:ext>
     </p:extLst>
   </p:cSld>
@@ -8198,14 +8198,14 @@
           <a:effectLst/>
           <a:extLst>
             <a:ext uri="{909E8E84-426E-40DD-AFC4-6F175D3DCCD1}">
-              <a14:hiddenFill xmlns:a14="http://schemas.microsoft.com/office/drawing/2010/main" xmlns="">
+              <a14:hiddenFill xmlns="" xmlns:a14="http://schemas.microsoft.com/office/drawing/2010/main">
                 <a:solidFill>
                   <a:schemeClr val="accent1"/>
                 </a:solidFill>
               </a14:hiddenFill>
             </a:ext>
             <a:ext uri="{91240B29-F687-4F45-9708-019B960494DF}">
-              <a14:hiddenLine xmlns:a14="http://schemas.microsoft.com/office/drawing/2010/main" xmlns="" w="9525">
+              <a14:hiddenLine xmlns="" xmlns:a14="http://schemas.microsoft.com/office/drawing/2010/main" w="9525">
                 <a:solidFill>
                   <a:schemeClr val="tx1"/>
                 </a:solidFill>
@@ -8215,7 +8215,7 @@
               </a14:hiddenLine>
             </a:ext>
             <a:ext uri="{AF507438-7753-43E0-B8FC-AC1667EBCBE1}">
-              <a14:hiddenEffects xmlns:a14="http://schemas.microsoft.com/office/drawing/2010/main" xmlns="">
+              <a14:hiddenEffects xmlns="" xmlns:a14="http://schemas.microsoft.com/office/drawing/2010/main">
                 <a:effectLst>
                   <a:outerShdw dist="35921" dir="2700000" algn="ctr" rotWithShape="0">
                     <a:schemeClr val="bg2"/>
@@ -8261,14 +8261,14 @@
           <a:effectLst/>
           <a:extLst>
             <a:ext uri="{909E8E84-426E-40DD-AFC4-6F175D3DCCD1}">
-              <a14:hiddenFill xmlns:a14="http://schemas.microsoft.com/office/drawing/2010/main" xmlns="">
+              <a14:hiddenFill xmlns="" xmlns:a14="http://schemas.microsoft.com/office/drawing/2010/main">
                 <a:solidFill>
                   <a:schemeClr val="accent1"/>
                 </a:solidFill>
               </a14:hiddenFill>
             </a:ext>
             <a:ext uri="{91240B29-F687-4F45-9708-019B960494DF}">
-              <a14:hiddenLine xmlns:a14="http://schemas.microsoft.com/office/drawing/2010/main" xmlns="" w="9525">
+              <a14:hiddenLine xmlns="" xmlns:a14="http://schemas.microsoft.com/office/drawing/2010/main" w="9525">
                 <a:solidFill>
                   <a:schemeClr val="tx1"/>
                 </a:solidFill>
@@ -8278,7 +8278,7 @@
               </a14:hiddenLine>
             </a:ext>
             <a:ext uri="{AF507438-7753-43E0-B8FC-AC1667EBCBE1}">
-              <a14:hiddenEffects xmlns:a14="http://schemas.microsoft.com/office/drawing/2010/main" xmlns="">
+              <a14:hiddenEffects xmlns="" xmlns:a14="http://schemas.microsoft.com/office/drawing/2010/main">
                 <a:effectLst>
                   <a:outerShdw dist="35921" dir="2700000" algn="ctr" rotWithShape="0">
                     <a:schemeClr val="bg2"/>
@@ -8422,14 +8422,14 @@
           <a:effectLst/>
           <a:extLst>
             <a:ext uri="{909E8E84-426E-40DD-AFC4-6F175D3DCCD1}">
-              <a14:hiddenFill xmlns:a14="http://schemas.microsoft.com/office/drawing/2010/main" xmlns="">
+              <a14:hiddenFill xmlns="" xmlns:a14="http://schemas.microsoft.com/office/drawing/2010/main">
                 <a:solidFill>
                   <a:schemeClr val="accent1"/>
                 </a:solidFill>
               </a14:hiddenFill>
             </a:ext>
             <a:ext uri="{91240B29-F687-4F45-9708-019B960494DF}">
-              <a14:hiddenLine xmlns:a14="http://schemas.microsoft.com/office/drawing/2010/main" xmlns="" w="9525">
+              <a14:hiddenLine xmlns="" xmlns:a14="http://schemas.microsoft.com/office/drawing/2010/main" w="9525">
                 <a:solidFill>
                   <a:schemeClr val="tx1"/>
                 </a:solidFill>
@@ -8439,7 +8439,7 @@
               </a14:hiddenLine>
             </a:ext>
             <a:ext uri="{AF507438-7753-43E0-B8FC-AC1667EBCBE1}">
-              <a14:hiddenEffects xmlns:a14="http://schemas.microsoft.com/office/drawing/2010/main" xmlns="">
+              <a14:hiddenEffects xmlns="" xmlns:a14="http://schemas.microsoft.com/office/drawing/2010/main">
                 <a:effectLst>
                   <a:outerShdw dist="35921" dir="2700000" algn="ctr" rotWithShape="0">
                     <a:schemeClr val="bg2"/>
@@ -8485,14 +8485,14 @@
           <a:effectLst/>
           <a:extLst>
             <a:ext uri="{909E8E84-426E-40DD-AFC4-6F175D3DCCD1}">
-              <a14:hiddenFill xmlns:a14="http://schemas.microsoft.com/office/drawing/2010/main" xmlns="">
+              <a14:hiddenFill xmlns="" xmlns:a14="http://schemas.microsoft.com/office/drawing/2010/main">
                 <a:solidFill>
                   <a:schemeClr val="accent1"/>
                 </a:solidFill>
               </a14:hiddenFill>
             </a:ext>
             <a:ext uri="{91240B29-F687-4F45-9708-019B960494DF}">
-              <a14:hiddenLine xmlns:a14="http://schemas.microsoft.com/office/drawing/2010/main" xmlns="" w="9525">
+              <a14:hiddenLine xmlns="" xmlns:a14="http://schemas.microsoft.com/office/drawing/2010/main" w="9525">
                 <a:solidFill>
                   <a:schemeClr val="tx1"/>
                 </a:solidFill>
@@ -8502,7 +8502,7 @@
               </a14:hiddenLine>
             </a:ext>
             <a:ext uri="{AF507438-7753-43E0-B8FC-AC1667EBCBE1}">
-              <a14:hiddenEffects xmlns:a14="http://schemas.microsoft.com/office/drawing/2010/main" xmlns="">
+              <a14:hiddenEffects xmlns="" xmlns:a14="http://schemas.microsoft.com/office/drawing/2010/main">
                 <a:effectLst>
                   <a:outerShdw dist="35921" dir="2700000" algn="ctr" rotWithShape="0">
                     <a:schemeClr val="bg2"/>
@@ -8548,14 +8548,14 @@
           <a:effectLst/>
           <a:extLst>
             <a:ext uri="{909E8E84-426E-40DD-AFC4-6F175D3DCCD1}">
-              <a14:hiddenFill xmlns:a14="http://schemas.microsoft.com/office/drawing/2010/main" xmlns="">
+              <a14:hiddenFill xmlns="" xmlns:a14="http://schemas.microsoft.com/office/drawing/2010/main">
                 <a:solidFill>
                   <a:schemeClr val="accent1"/>
                 </a:solidFill>
               </a14:hiddenFill>
             </a:ext>
             <a:ext uri="{91240B29-F687-4F45-9708-019B960494DF}">
-              <a14:hiddenLine xmlns:a14="http://schemas.microsoft.com/office/drawing/2010/main" xmlns="" w="9525">
+              <a14:hiddenLine xmlns="" xmlns:a14="http://schemas.microsoft.com/office/drawing/2010/main" w="9525">
                 <a:solidFill>
                   <a:schemeClr val="tx1"/>
                 </a:solidFill>
@@ -8565,7 +8565,7 @@
               </a14:hiddenLine>
             </a:ext>
             <a:ext uri="{AF507438-7753-43E0-B8FC-AC1667EBCBE1}">
-              <a14:hiddenEffects xmlns:a14="http://schemas.microsoft.com/office/drawing/2010/main" xmlns="">
+              <a14:hiddenEffects xmlns="" xmlns:a14="http://schemas.microsoft.com/office/drawing/2010/main">
                 <a:effectLst>
                   <a:outerShdw dist="35921" dir="2700000" algn="ctr" rotWithShape="0">
                     <a:schemeClr val="bg2"/>
@@ -8820,14 +8820,14 @@
           <a:effectLst/>
           <a:extLst>
             <a:ext uri="{909E8E84-426E-40DD-AFC4-6F175D3DCCD1}">
-              <a14:hiddenFill xmlns:a14="http://schemas.microsoft.com/office/drawing/2010/main" xmlns="">
+              <a14:hiddenFill xmlns="" xmlns:a14="http://schemas.microsoft.com/office/drawing/2010/main">
                 <a:solidFill>
                   <a:schemeClr val="accent1"/>
                 </a:solidFill>
               </a14:hiddenFill>
             </a:ext>
             <a:ext uri="{91240B29-F687-4F45-9708-019B960494DF}">
-              <a14:hiddenLine xmlns:a14="http://schemas.microsoft.com/office/drawing/2010/main" xmlns="" w="9525">
+              <a14:hiddenLine xmlns="" xmlns:a14="http://schemas.microsoft.com/office/drawing/2010/main" w="9525">
                 <a:solidFill>
                   <a:schemeClr val="tx1"/>
                 </a:solidFill>
@@ -8837,7 +8837,7 @@
               </a14:hiddenLine>
             </a:ext>
             <a:ext uri="{AF507438-7753-43E0-B8FC-AC1667EBCBE1}">
-              <a14:hiddenEffects xmlns:a14="http://schemas.microsoft.com/office/drawing/2010/main" xmlns="">
+              <a14:hiddenEffects xmlns="" xmlns:a14="http://schemas.microsoft.com/office/drawing/2010/main">
                 <a:effectLst>
                   <a:outerShdw dist="35921" dir="2700000" algn="ctr" rotWithShape="0">
                     <a:schemeClr val="bg2"/>
@@ -8883,14 +8883,14 @@
           <a:effectLst/>
           <a:extLst>
             <a:ext uri="{909E8E84-426E-40DD-AFC4-6F175D3DCCD1}">
-              <a14:hiddenFill xmlns:a14="http://schemas.microsoft.com/office/drawing/2010/main" xmlns="">
+              <a14:hiddenFill xmlns="" xmlns:a14="http://schemas.microsoft.com/office/drawing/2010/main">
                 <a:solidFill>
                   <a:schemeClr val="accent1"/>
                 </a:solidFill>
               </a14:hiddenFill>
             </a:ext>
             <a:ext uri="{91240B29-F687-4F45-9708-019B960494DF}">
-              <a14:hiddenLine xmlns:a14="http://schemas.microsoft.com/office/drawing/2010/main" xmlns="" w="9525">
+              <a14:hiddenLine xmlns="" xmlns:a14="http://schemas.microsoft.com/office/drawing/2010/main" w="9525">
                 <a:solidFill>
                   <a:schemeClr val="tx1"/>
                 </a:solidFill>
@@ -8900,7 +8900,7 @@
               </a14:hiddenLine>
             </a:ext>
             <a:ext uri="{AF507438-7753-43E0-B8FC-AC1667EBCBE1}">
-              <a14:hiddenEffects xmlns:a14="http://schemas.microsoft.com/office/drawing/2010/main" xmlns="">
+              <a14:hiddenEffects xmlns="" xmlns:a14="http://schemas.microsoft.com/office/drawing/2010/main">
                 <a:effectLst>
                   <a:outerShdw dist="35921" dir="2700000" algn="ctr" rotWithShape="0">
                     <a:schemeClr val="bg2"/>
@@ -8946,14 +8946,14 @@
           <a:effectLst/>
           <a:extLst>
             <a:ext uri="{909E8E84-426E-40DD-AFC4-6F175D3DCCD1}">
-              <a14:hiddenFill xmlns:a14="http://schemas.microsoft.com/office/drawing/2010/main" xmlns="">
+              <a14:hiddenFill xmlns="" xmlns:a14="http://schemas.microsoft.com/office/drawing/2010/main">
                 <a:solidFill>
                   <a:schemeClr val="accent1"/>
                 </a:solidFill>
               </a14:hiddenFill>
             </a:ext>
             <a:ext uri="{91240B29-F687-4F45-9708-019B960494DF}">
-              <a14:hiddenLine xmlns:a14="http://schemas.microsoft.com/office/drawing/2010/main" xmlns="" w="9525">
+              <a14:hiddenLine xmlns="" xmlns:a14="http://schemas.microsoft.com/office/drawing/2010/main" w="9525">
                 <a:solidFill>
                   <a:schemeClr val="tx1"/>
                 </a:solidFill>
@@ -8963,7 +8963,7 @@
               </a14:hiddenLine>
             </a:ext>
             <a:ext uri="{AF507438-7753-43E0-B8FC-AC1667EBCBE1}">
-              <a14:hiddenEffects xmlns:a14="http://schemas.microsoft.com/office/drawing/2010/main" xmlns="">
+              <a14:hiddenEffects xmlns="" xmlns:a14="http://schemas.microsoft.com/office/drawing/2010/main">
                 <a:effectLst>
                   <a:outerShdw dist="35921" dir="2700000" algn="ctr" rotWithShape="0">
                     <a:schemeClr val="bg2"/>
@@ -9009,14 +9009,14 @@
           <a:effectLst/>
           <a:extLst>
             <a:ext uri="{909E8E84-426E-40DD-AFC4-6F175D3DCCD1}">
-              <a14:hiddenFill xmlns:a14="http://schemas.microsoft.com/office/drawing/2010/main" xmlns="">
+              <a14:hiddenFill xmlns="" xmlns:a14="http://schemas.microsoft.com/office/drawing/2010/main">
                 <a:solidFill>
                   <a:schemeClr val="accent1"/>
                 </a:solidFill>
               </a14:hiddenFill>
             </a:ext>
             <a:ext uri="{91240B29-F687-4F45-9708-019B960494DF}">
-              <a14:hiddenLine xmlns:a14="http://schemas.microsoft.com/office/drawing/2010/main" xmlns="" w="9525">
+              <a14:hiddenLine xmlns="" xmlns:a14="http://schemas.microsoft.com/office/drawing/2010/main" w="9525">
                 <a:solidFill>
                   <a:schemeClr val="tx1"/>
                 </a:solidFill>
@@ -9026,7 +9026,7 @@
               </a14:hiddenLine>
             </a:ext>
             <a:ext uri="{AF507438-7753-43E0-B8FC-AC1667EBCBE1}">
-              <a14:hiddenEffects xmlns:a14="http://schemas.microsoft.com/office/drawing/2010/main" xmlns="">
+              <a14:hiddenEffects xmlns="" xmlns:a14="http://schemas.microsoft.com/office/drawing/2010/main">
                 <a:effectLst>
                   <a:outerShdw dist="35921" dir="2700000" algn="ctr" rotWithShape="0">
                     <a:schemeClr val="bg2"/>
@@ -9072,14 +9072,14 @@
           <a:effectLst/>
           <a:extLst>
             <a:ext uri="{909E8E84-426E-40DD-AFC4-6F175D3DCCD1}">
-              <a14:hiddenFill xmlns:a14="http://schemas.microsoft.com/office/drawing/2010/main" xmlns="">
+              <a14:hiddenFill xmlns="" xmlns:a14="http://schemas.microsoft.com/office/drawing/2010/main">
                 <a:solidFill>
                   <a:schemeClr val="accent1"/>
                 </a:solidFill>
               </a14:hiddenFill>
             </a:ext>
             <a:ext uri="{91240B29-F687-4F45-9708-019B960494DF}">
-              <a14:hiddenLine xmlns:a14="http://schemas.microsoft.com/office/drawing/2010/main" xmlns="" w="9525">
+              <a14:hiddenLine xmlns="" xmlns:a14="http://schemas.microsoft.com/office/drawing/2010/main" w="9525">
                 <a:solidFill>
                   <a:schemeClr val="tx1"/>
                 </a:solidFill>
@@ -9089,7 +9089,7 @@
               </a14:hiddenLine>
             </a:ext>
             <a:ext uri="{AF507438-7753-43E0-B8FC-AC1667EBCBE1}">
-              <a14:hiddenEffects xmlns:a14="http://schemas.microsoft.com/office/drawing/2010/main" xmlns="">
+              <a14:hiddenEffects xmlns="" xmlns:a14="http://schemas.microsoft.com/office/drawing/2010/main">
                 <a:effectLst>
                   <a:outerShdw dist="35921" dir="2700000" algn="ctr" rotWithShape="0">
                     <a:schemeClr val="bg2"/>
@@ -9308,7 +9308,7 @@
           <a:blip r:embed="rId3" cstate="print">
             <a:extLst>
               <a:ext uri="{28A0092B-C50C-407E-A947-70E740481C1C}">
-                <a14:useLocalDpi xmlns:a14="http://schemas.microsoft.com/office/drawing/2010/main" xmlns="" val="0"/>
+                <a14:useLocalDpi xmlns="" xmlns:a14="http://schemas.microsoft.com/office/drawing/2010/main" val="0"/>
               </a:ext>
             </a:extLst>
           </a:blip>
@@ -9353,7 +9353,7 @@
           </a:ln>
           <a:extLst>
             <a:ext uri="{909E8E84-426E-40DD-AFC4-6F175D3DCCD1}">
-              <a14:hiddenFill xmlns:a14="http://schemas.microsoft.com/office/drawing/2010/main" xmlns="">
+              <a14:hiddenFill xmlns="" xmlns:a14="http://schemas.microsoft.com/office/drawing/2010/main">
                 <a:noFill/>
               </a14:hiddenFill>
             </a:ext>
@@ -9398,7 +9398,7 @@
           </a:ln>
           <a:extLst>
             <a:ext uri="{909E8E84-426E-40DD-AFC4-6F175D3DCCD1}">
-              <a14:hiddenFill xmlns:a14="http://schemas.microsoft.com/office/drawing/2010/main" xmlns="">
+              <a14:hiddenFill xmlns="" xmlns:a14="http://schemas.microsoft.com/office/drawing/2010/main">
                 <a:noFill/>
               </a14:hiddenFill>
             </a:ext>
@@ -9443,7 +9443,7 @@
           </a:ln>
           <a:extLst>
             <a:ext uri="{909E8E84-426E-40DD-AFC4-6F175D3DCCD1}">
-              <a14:hiddenFill xmlns:a14="http://schemas.microsoft.com/office/drawing/2010/main" xmlns="">
+              <a14:hiddenFill xmlns="" xmlns:a14="http://schemas.microsoft.com/office/drawing/2010/main">
                 <a:noFill/>
               </a14:hiddenFill>
             </a:ext>
@@ -9720,7 +9720,7 @@
             <a:blip r:embed="rId4" cstate="print">
               <a:extLst>
                 <a:ext uri="{28A0092B-C50C-407E-A947-70E740481C1C}">
-                  <a14:useLocalDpi xmlns:a14="http://schemas.microsoft.com/office/drawing/2010/main" xmlns="" val="0"/>
+                  <a14:useLocalDpi xmlns="" xmlns:a14="http://schemas.microsoft.com/office/drawing/2010/main" val="0"/>
                 </a:ext>
               </a:extLst>
             </a:blip>
@@ -9766,7 +9766,7 @@
           </a:ln>
           <a:extLst>
             <a:ext uri="{909E8E84-426E-40DD-AFC4-6F175D3DCCD1}">
-              <a14:hiddenFill xmlns:a14="http://schemas.microsoft.com/office/drawing/2010/main" xmlns="">
+              <a14:hiddenFill xmlns="" xmlns:a14="http://schemas.microsoft.com/office/drawing/2010/main">
                 <a:noFill/>
               </a14:hiddenFill>
             </a:ext>
@@ -9897,20 +9897,7 @@
                 <a:effectLst/>
                 <a:latin typeface="맑은 고딕" panose="020B0503020000020004" pitchFamily="50" charset="-127"/>
               </a:rPr>
-              <a:t>명함이라면 </a:t>
-            </a:r>
-            <a:r>
-              <a:rPr kumimoji="0" lang="ko-KR" altLang="en-US" sz="1200" b="0" i="0" u="none" strike="noStrike" cap="none" normalizeH="0" dirty="0" smtClean="0">
-                <a:ln>
-                  <a:noFill/>
-                </a:ln>
-                <a:solidFill>
-                  <a:srgbClr val="000000"/>
-                </a:solidFill>
-                <a:effectLst/>
-                <a:latin typeface="맑은 고딕" panose="020B0503020000020004" pitchFamily="50" charset="-127"/>
-              </a:rPr>
-              <a:t>주인이 본인 정보 변경 시</a:t>
+              <a:t>명함이라면 주인이 본인 정보 변경 시</a:t>
             </a:r>
             <a:r>
               <a:rPr kumimoji="0" lang="en-US" altLang="ko-KR" sz="1200" b="0" i="0" u="none" strike="noStrike" cap="none" normalizeH="0" dirty="0" smtClean="0">
@@ -10099,10 +10086,10 @@
                 <a:effectLst/>
                 <a:latin typeface="맑은 고딕" panose="020B0503020000020004" pitchFamily="50" charset="-127"/>
               </a:rPr>
-              <a:t>명함이 교환되었다면 교환된 장소와 시간을 표시해준다</a:t>
-            </a:r>
-            <a:r>
-              <a:rPr kumimoji="0" lang="en-US" altLang="ko-KR" sz="1200" b="0" i="0" u="none" strike="noStrike" cap="none" normalizeH="0" baseline="0" dirty="0" smtClean="0">
+              <a:t>명함이 교환되었다면 교환된 장소와 </a:t>
+            </a:r>
+            <a:r>
+              <a:rPr kumimoji="0" lang="ko-KR" altLang="en-US" sz="1200" b="0" i="0" u="none" strike="noStrike" cap="none" normalizeH="0" baseline="0" smtClean="0">
                 <a:ln>
                   <a:noFill/>
                 </a:ln>
@@ -10112,7 +10099,29 @@
                 <a:effectLst/>
                 <a:latin typeface="맑은 고딕" panose="020B0503020000020004" pitchFamily="50" charset="-127"/>
               </a:rPr>
-              <a:t>.</a:t>
+              <a:t>시간을 </a:t>
+            </a:r>
+            <a:r>
+              <a:rPr kumimoji="0" lang="ko-KR" altLang="en-US" sz="1200" b="0" i="0" u="none" strike="noStrike" cap="none" normalizeH="0" baseline="0" smtClean="0">
+                <a:ln>
+                  <a:noFill/>
+                </a:ln>
+                <a:solidFill>
+                  <a:srgbClr val="000000"/>
+                </a:solidFill>
+                <a:effectLst/>
+                <a:latin typeface="맑은 고딕" panose="020B0503020000020004" pitchFamily="50" charset="-127"/>
+              </a:rPr>
+              <a:t>표시해</a:t>
+            </a:r>
+            <a:r>
+              <a:rPr lang="ko-KR" altLang="en-US" sz="1200" smtClean="0">
+                <a:solidFill>
+                  <a:srgbClr val="000000"/>
+                </a:solidFill>
+                <a:latin typeface="맑은 고딕" panose="020B0503020000020004" pitchFamily="50" charset="-127"/>
+              </a:rPr>
+              <a:t>줌</a:t>
             </a:r>
             <a:endParaRPr kumimoji="0" lang="ko-KR" altLang="en-US" sz="1200" b="0" i="0" u="none" strike="noStrike" cap="none" normalizeH="0" baseline="0" dirty="0" smtClean="0">
               <a:ln>
@@ -10186,7 +10195,7 @@
           </a:ln>
           <a:extLst>
             <a:ext uri="{909E8E84-426E-40DD-AFC4-6F175D3DCCD1}">
-              <a14:hiddenFill xmlns:a14="http://schemas.microsoft.com/office/drawing/2010/main" xmlns="">
+              <a14:hiddenFill xmlns="" xmlns:a14="http://schemas.microsoft.com/office/drawing/2010/main">
                 <a:noFill/>
               </a14:hiddenFill>
             </a:ext>
@@ -10207,7 +10216,7 @@
     </p:spTree>
     <p:extLst>
       <p:ext uri="{BB962C8B-B14F-4D97-AF65-F5344CB8AC3E}">
-        <p14:creationId xmlns:p14="http://schemas.microsoft.com/office/powerpoint/2010/main" xmlns="" val="3406283705"/>
+        <p14:creationId xmlns="" xmlns:p14="http://schemas.microsoft.com/office/powerpoint/2010/main" val="3406283705"/>
       </p:ext>
     </p:extLst>
   </p:cSld>
@@ -10418,14 +10427,14 @@
           <a:effectLst/>
           <a:extLst>
             <a:ext uri="{909E8E84-426E-40DD-AFC4-6F175D3DCCD1}">
-              <a14:hiddenFill xmlns:a14="http://schemas.microsoft.com/office/drawing/2010/main" xmlns="">
+              <a14:hiddenFill xmlns="" xmlns:a14="http://schemas.microsoft.com/office/drawing/2010/main">
                 <a:solidFill>
                   <a:schemeClr val="accent1"/>
                 </a:solidFill>
               </a14:hiddenFill>
             </a:ext>
             <a:ext uri="{91240B29-F687-4F45-9708-019B960494DF}">
-              <a14:hiddenLine xmlns:a14="http://schemas.microsoft.com/office/drawing/2010/main" xmlns="" w="9525">
+              <a14:hiddenLine xmlns="" xmlns:a14="http://schemas.microsoft.com/office/drawing/2010/main" w="9525">
                 <a:solidFill>
                   <a:schemeClr val="tx1"/>
                 </a:solidFill>
@@ -10435,7 +10444,7 @@
               </a14:hiddenLine>
             </a:ext>
             <a:ext uri="{AF507438-7753-43E0-B8FC-AC1667EBCBE1}">
-              <a14:hiddenEffects xmlns:a14="http://schemas.microsoft.com/office/drawing/2010/main" xmlns="">
+              <a14:hiddenEffects xmlns="" xmlns:a14="http://schemas.microsoft.com/office/drawing/2010/main">
                 <a:effectLst>
                   <a:outerShdw dist="35921" dir="2700000" algn="ctr" rotWithShape="0">
                     <a:schemeClr val="bg2"/>
@@ -10481,14 +10490,14 @@
           <a:effectLst/>
           <a:extLst>
             <a:ext uri="{909E8E84-426E-40DD-AFC4-6F175D3DCCD1}">
-              <a14:hiddenFill xmlns:a14="http://schemas.microsoft.com/office/drawing/2010/main" xmlns="">
+              <a14:hiddenFill xmlns="" xmlns:a14="http://schemas.microsoft.com/office/drawing/2010/main">
                 <a:solidFill>
                   <a:schemeClr val="accent1"/>
                 </a:solidFill>
               </a14:hiddenFill>
             </a:ext>
             <a:ext uri="{91240B29-F687-4F45-9708-019B960494DF}">
-              <a14:hiddenLine xmlns:a14="http://schemas.microsoft.com/office/drawing/2010/main" xmlns="" w="9525">
+              <a14:hiddenLine xmlns="" xmlns:a14="http://schemas.microsoft.com/office/drawing/2010/main" w="9525">
                 <a:solidFill>
                   <a:schemeClr val="tx1"/>
                 </a:solidFill>
@@ -10498,7 +10507,7 @@
               </a14:hiddenLine>
             </a:ext>
             <a:ext uri="{AF507438-7753-43E0-B8FC-AC1667EBCBE1}">
-              <a14:hiddenEffects xmlns:a14="http://schemas.microsoft.com/office/drawing/2010/main" xmlns="">
+              <a14:hiddenEffects xmlns="" xmlns:a14="http://schemas.microsoft.com/office/drawing/2010/main">
                 <a:effectLst>
                   <a:outerShdw dist="35921" dir="2700000" algn="ctr" rotWithShape="0">
                     <a:schemeClr val="bg2"/>
@@ -10638,14 +10647,14 @@
           <a:effectLst/>
           <a:extLst>
             <a:ext uri="{909E8E84-426E-40DD-AFC4-6F175D3DCCD1}">
-              <a14:hiddenFill xmlns:a14="http://schemas.microsoft.com/office/drawing/2010/main" xmlns="">
+              <a14:hiddenFill xmlns="" xmlns:a14="http://schemas.microsoft.com/office/drawing/2010/main">
                 <a:solidFill>
                   <a:schemeClr val="accent1"/>
                 </a:solidFill>
               </a14:hiddenFill>
             </a:ext>
             <a:ext uri="{91240B29-F687-4F45-9708-019B960494DF}">
-              <a14:hiddenLine xmlns:a14="http://schemas.microsoft.com/office/drawing/2010/main" xmlns="" w="9525">
+              <a14:hiddenLine xmlns="" xmlns:a14="http://schemas.microsoft.com/office/drawing/2010/main" w="9525">
                 <a:solidFill>
                   <a:schemeClr val="tx1"/>
                 </a:solidFill>
@@ -10655,7 +10664,7 @@
               </a14:hiddenLine>
             </a:ext>
             <a:ext uri="{AF507438-7753-43E0-B8FC-AC1667EBCBE1}">
-              <a14:hiddenEffects xmlns:a14="http://schemas.microsoft.com/office/drawing/2010/main" xmlns="">
+              <a14:hiddenEffects xmlns="" xmlns:a14="http://schemas.microsoft.com/office/drawing/2010/main">
                 <a:effectLst>
                   <a:outerShdw dist="35921" dir="2700000" algn="ctr" rotWithShape="0">
                     <a:schemeClr val="bg2"/>
@@ -10701,14 +10710,14 @@
           <a:effectLst/>
           <a:extLst>
             <a:ext uri="{909E8E84-426E-40DD-AFC4-6F175D3DCCD1}">
-              <a14:hiddenFill xmlns:a14="http://schemas.microsoft.com/office/drawing/2010/main" xmlns="">
+              <a14:hiddenFill xmlns="" xmlns:a14="http://schemas.microsoft.com/office/drawing/2010/main">
                 <a:solidFill>
                   <a:schemeClr val="accent1"/>
                 </a:solidFill>
               </a14:hiddenFill>
             </a:ext>
             <a:ext uri="{91240B29-F687-4F45-9708-019B960494DF}">
-              <a14:hiddenLine xmlns:a14="http://schemas.microsoft.com/office/drawing/2010/main" xmlns="" w="9525">
+              <a14:hiddenLine xmlns="" xmlns:a14="http://schemas.microsoft.com/office/drawing/2010/main" w="9525">
                 <a:solidFill>
                   <a:schemeClr val="tx1"/>
                 </a:solidFill>
@@ -10718,7 +10727,7 @@
               </a14:hiddenLine>
             </a:ext>
             <a:ext uri="{AF507438-7753-43E0-B8FC-AC1667EBCBE1}">
-              <a14:hiddenEffects xmlns:a14="http://schemas.microsoft.com/office/drawing/2010/main" xmlns="">
+              <a14:hiddenEffects xmlns="" xmlns:a14="http://schemas.microsoft.com/office/drawing/2010/main">
                 <a:effectLst>
                   <a:outerShdw dist="35921" dir="2700000" algn="ctr" rotWithShape="0">
                     <a:schemeClr val="bg2"/>
@@ -10764,14 +10773,14 @@
           <a:effectLst/>
           <a:extLst>
             <a:ext uri="{909E8E84-426E-40DD-AFC4-6F175D3DCCD1}">
-              <a14:hiddenFill xmlns:a14="http://schemas.microsoft.com/office/drawing/2010/main" xmlns="">
+              <a14:hiddenFill xmlns="" xmlns:a14="http://schemas.microsoft.com/office/drawing/2010/main">
                 <a:solidFill>
                   <a:schemeClr val="accent1"/>
                 </a:solidFill>
               </a14:hiddenFill>
             </a:ext>
             <a:ext uri="{91240B29-F687-4F45-9708-019B960494DF}">
-              <a14:hiddenLine xmlns:a14="http://schemas.microsoft.com/office/drawing/2010/main" xmlns="" w="9525">
+              <a14:hiddenLine xmlns="" xmlns:a14="http://schemas.microsoft.com/office/drawing/2010/main" w="9525">
                 <a:solidFill>
                   <a:schemeClr val="tx1"/>
                 </a:solidFill>
@@ -10781,7 +10790,7 @@
               </a14:hiddenLine>
             </a:ext>
             <a:ext uri="{AF507438-7753-43E0-B8FC-AC1667EBCBE1}">
-              <a14:hiddenEffects xmlns:a14="http://schemas.microsoft.com/office/drawing/2010/main" xmlns="">
+              <a14:hiddenEffects xmlns="" xmlns:a14="http://schemas.microsoft.com/office/drawing/2010/main">
                 <a:effectLst>
                   <a:outerShdw dist="35921" dir="2700000" algn="ctr" rotWithShape="0">
                     <a:schemeClr val="bg2"/>
@@ -10816,7 +10825,7 @@
           <a:blip r:embed="rId3" cstate="print">
             <a:extLst>
               <a:ext uri="{28A0092B-C50C-407E-A947-70E740481C1C}">
-                <a14:useLocalDpi xmlns:a14="http://schemas.microsoft.com/office/drawing/2010/main" xmlns="" val="0"/>
+                <a14:useLocalDpi xmlns="" xmlns:a14="http://schemas.microsoft.com/office/drawing/2010/main" val="0"/>
               </a:ext>
             </a:extLst>
           </a:blip>
@@ -10861,7 +10870,7 @@
           </a:ln>
           <a:extLst>
             <a:ext uri="{909E8E84-426E-40DD-AFC4-6F175D3DCCD1}">
-              <a14:hiddenFill xmlns:a14="http://schemas.microsoft.com/office/drawing/2010/main" xmlns="">
+              <a14:hiddenFill xmlns="" xmlns:a14="http://schemas.microsoft.com/office/drawing/2010/main">
                 <a:noFill/>
               </a14:hiddenFill>
             </a:ext>
@@ -10954,7 +10963,7 @@
             <a:blip r:embed="rId4" cstate="print">
               <a:extLst>
                 <a:ext uri="{28A0092B-C50C-407E-A947-70E740481C1C}">
-                  <a14:useLocalDpi xmlns:a14="http://schemas.microsoft.com/office/drawing/2010/main" xmlns="" val="0"/>
+                  <a14:useLocalDpi xmlns="" xmlns:a14="http://schemas.microsoft.com/office/drawing/2010/main" val="0"/>
                 </a:ext>
               </a:extLst>
             </a:blip>
@@ -11374,7 +11383,7 @@
     </p:spTree>
     <p:extLst>
       <p:ext uri="{BB962C8B-B14F-4D97-AF65-F5344CB8AC3E}">
-        <p14:creationId xmlns:p14="http://schemas.microsoft.com/office/powerpoint/2010/main" xmlns="" val="498661827"/>
+        <p14:creationId xmlns="" xmlns:p14="http://schemas.microsoft.com/office/powerpoint/2010/main" val="498661827"/>
       </p:ext>
     </p:extLst>
   </p:cSld>
@@ -11585,14 +11594,14 @@
           <a:effectLst/>
           <a:extLst>
             <a:ext uri="{909E8E84-426E-40DD-AFC4-6F175D3DCCD1}">
-              <a14:hiddenFill xmlns:a14="http://schemas.microsoft.com/office/drawing/2010/main" xmlns="">
+              <a14:hiddenFill xmlns="" xmlns:a14="http://schemas.microsoft.com/office/drawing/2010/main">
                 <a:solidFill>
                   <a:schemeClr val="accent1"/>
                 </a:solidFill>
               </a14:hiddenFill>
             </a:ext>
             <a:ext uri="{91240B29-F687-4F45-9708-019B960494DF}">
-              <a14:hiddenLine xmlns:a14="http://schemas.microsoft.com/office/drawing/2010/main" xmlns="" w="9525">
+              <a14:hiddenLine xmlns="" xmlns:a14="http://schemas.microsoft.com/office/drawing/2010/main" w="9525">
                 <a:solidFill>
                   <a:schemeClr val="tx1"/>
                 </a:solidFill>
@@ -11602,7 +11611,7 @@
               </a14:hiddenLine>
             </a:ext>
             <a:ext uri="{AF507438-7753-43E0-B8FC-AC1667EBCBE1}">
-              <a14:hiddenEffects xmlns:a14="http://schemas.microsoft.com/office/drawing/2010/main" xmlns="">
+              <a14:hiddenEffects xmlns="" xmlns:a14="http://schemas.microsoft.com/office/drawing/2010/main">
                 <a:effectLst>
                   <a:outerShdw dist="35921" dir="2700000" algn="ctr" rotWithShape="0">
                     <a:schemeClr val="bg2"/>
@@ -11648,14 +11657,14 @@
           <a:effectLst/>
           <a:extLst>
             <a:ext uri="{909E8E84-426E-40DD-AFC4-6F175D3DCCD1}">
-              <a14:hiddenFill xmlns:a14="http://schemas.microsoft.com/office/drawing/2010/main" xmlns="">
+              <a14:hiddenFill xmlns="" xmlns:a14="http://schemas.microsoft.com/office/drawing/2010/main">
                 <a:solidFill>
                   <a:schemeClr val="accent1"/>
                 </a:solidFill>
               </a14:hiddenFill>
             </a:ext>
             <a:ext uri="{91240B29-F687-4F45-9708-019B960494DF}">
-              <a14:hiddenLine xmlns:a14="http://schemas.microsoft.com/office/drawing/2010/main" xmlns="" w="9525">
+              <a14:hiddenLine xmlns="" xmlns:a14="http://schemas.microsoft.com/office/drawing/2010/main" w="9525">
                 <a:solidFill>
                   <a:schemeClr val="tx1"/>
                 </a:solidFill>
@@ -11665,7 +11674,7 @@
               </a14:hiddenLine>
             </a:ext>
             <a:ext uri="{AF507438-7753-43E0-B8FC-AC1667EBCBE1}">
-              <a14:hiddenEffects xmlns:a14="http://schemas.microsoft.com/office/drawing/2010/main" xmlns="">
+              <a14:hiddenEffects xmlns="" xmlns:a14="http://schemas.microsoft.com/office/drawing/2010/main">
                 <a:effectLst>
                   <a:outerShdw dist="35921" dir="2700000" algn="ctr" rotWithShape="0">
                     <a:schemeClr val="bg2"/>
@@ -11797,14 +11806,14 @@
           <a:effectLst/>
           <a:extLst>
             <a:ext uri="{909E8E84-426E-40DD-AFC4-6F175D3DCCD1}">
-              <a14:hiddenFill xmlns:a14="http://schemas.microsoft.com/office/drawing/2010/main" xmlns="">
+              <a14:hiddenFill xmlns="" xmlns:a14="http://schemas.microsoft.com/office/drawing/2010/main">
                 <a:solidFill>
                   <a:schemeClr val="accent1"/>
                 </a:solidFill>
               </a14:hiddenFill>
             </a:ext>
             <a:ext uri="{91240B29-F687-4F45-9708-019B960494DF}">
-              <a14:hiddenLine xmlns:a14="http://schemas.microsoft.com/office/drawing/2010/main" xmlns="" w="9525">
+              <a14:hiddenLine xmlns="" xmlns:a14="http://schemas.microsoft.com/office/drawing/2010/main" w="9525">
                 <a:solidFill>
                   <a:schemeClr val="tx1"/>
                 </a:solidFill>
@@ -11814,7 +11823,7 @@
               </a14:hiddenLine>
             </a:ext>
             <a:ext uri="{AF507438-7753-43E0-B8FC-AC1667EBCBE1}">
-              <a14:hiddenEffects xmlns:a14="http://schemas.microsoft.com/office/drawing/2010/main" xmlns="">
+              <a14:hiddenEffects xmlns="" xmlns:a14="http://schemas.microsoft.com/office/drawing/2010/main">
                 <a:effectLst>
                   <a:outerShdw dist="35921" dir="2700000" algn="ctr" rotWithShape="0">
                     <a:schemeClr val="bg2"/>
@@ -12096,14 +12105,14 @@
           <a:effectLst/>
           <a:extLst>
             <a:ext uri="{909E8E84-426E-40DD-AFC4-6F175D3DCCD1}">
-              <a14:hiddenFill xmlns:a14="http://schemas.microsoft.com/office/drawing/2010/main" xmlns="">
+              <a14:hiddenFill xmlns="" xmlns:a14="http://schemas.microsoft.com/office/drawing/2010/main">
                 <a:solidFill>
                   <a:schemeClr val="accent1"/>
                 </a:solidFill>
               </a14:hiddenFill>
             </a:ext>
             <a:ext uri="{91240B29-F687-4F45-9708-019B960494DF}">
-              <a14:hiddenLine xmlns:a14="http://schemas.microsoft.com/office/drawing/2010/main" xmlns="" w="9525">
+              <a14:hiddenLine xmlns="" xmlns:a14="http://schemas.microsoft.com/office/drawing/2010/main" w="9525">
                 <a:solidFill>
                   <a:schemeClr val="tx1"/>
                 </a:solidFill>
@@ -12113,7 +12122,7 @@
               </a14:hiddenLine>
             </a:ext>
             <a:ext uri="{AF507438-7753-43E0-B8FC-AC1667EBCBE1}">
-              <a14:hiddenEffects xmlns:a14="http://schemas.microsoft.com/office/drawing/2010/main" xmlns="">
+              <a14:hiddenEffects xmlns="" xmlns:a14="http://schemas.microsoft.com/office/drawing/2010/main">
                 <a:effectLst>
                   <a:outerShdw dist="35921" dir="2700000" algn="ctr" rotWithShape="0">
                     <a:schemeClr val="bg2"/>
@@ -12159,14 +12168,14 @@
           <a:effectLst/>
           <a:extLst>
             <a:ext uri="{909E8E84-426E-40DD-AFC4-6F175D3DCCD1}">
-              <a14:hiddenFill xmlns:a14="http://schemas.microsoft.com/office/drawing/2010/main" xmlns="">
+              <a14:hiddenFill xmlns="" xmlns:a14="http://schemas.microsoft.com/office/drawing/2010/main">
                 <a:solidFill>
                   <a:schemeClr val="accent1"/>
                 </a:solidFill>
               </a14:hiddenFill>
             </a:ext>
             <a:ext uri="{91240B29-F687-4F45-9708-019B960494DF}">
-              <a14:hiddenLine xmlns:a14="http://schemas.microsoft.com/office/drawing/2010/main" xmlns="" w="9525">
+              <a14:hiddenLine xmlns="" xmlns:a14="http://schemas.microsoft.com/office/drawing/2010/main" w="9525">
                 <a:solidFill>
                   <a:schemeClr val="tx1"/>
                 </a:solidFill>
@@ -12176,7 +12185,7 @@
               </a14:hiddenLine>
             </a:ext>
             <a:ext uri="{AF507438-7753-43E0-B8FC-AC1667EBCBE1}">
-              <a14:hiddenEffects xmlns:a14="http://schemas.microsoft.com/office/drawing/2010/main" xmlns="">
+              <a14:hiddenEffects xmlns="" xmlns:a14="http://schemas.microsoft.com/office/drawing/2010/main">
                 <a:effectLst>
                   <a:outerShdw dist="35921" dir="2700000" algn="ctr" rotWithShape="0">
                     <a:schemeClr val="bg2"/>
@@ -12370,7 +12379,7 @@
           <a:blip r:embed="rId3" cstate="print">
             <a:extLst>
               <a:ext uri="{28A0092B-C50C-407E-A947-70E740481C1C}">
-                <a14:useLocalDpi xmlns:a14="http://schemas.microsoft.com/office/drawing/2010/main" xmlns="" val="0"/>
+                <a14:useLocalDpi xmlns="" xmlns:a14="http://schemas.microsoft.com/office/drawing/2010/main" val="0"/>
               </a:ext>
             </a:extLst>
           </a:blip>
@@ -12415,7 +12424,7 @@
           </a:ln>
           <a:extLst>
             <a:ext uri="{909E8E84-426E-40DD-AFC4-6F175D3DCCD1}">
-              <a14:hiddenFill xmlns:a14="http://schemas.microsoft.com/office/drawing/2010/main" xmlns="">
+              <a14:hiddenFill xmlns="" xmlns:a14="http://schemas.microsoft.com/office/drawing/2010/main">
                 <a:noFill/>
               </a14:hiddenFill>
             </a:ext>
@@ -12460,7 +12469,7 @@
           </a:ln>
           <a:extLst>
             <a:ext uri="{909E8E84-426E-40DD-AFC4-6F175D3DCCD1}">
-              <a14:hiddenFill xmlns:a14="http://schemas.microsoft.com/office/drawing/2010/main" xmlns="">
+              <a14:hiddenFill xmlns="" xmlns:a14="http://schemas.microsoft.com/office/drawing/2010/main">
                 <a:noFill/>
               </a14:hiddenFill>
             </a:ext>
@@ -12553,7 +12562,7 @@
             <a:blip r:embed="rId4" cstate="print">
               <a:extLst>
                 <a:ext uri="{28A0092B-C50C-407E-A947-70E740481C1C}">
-                  <a14:useLocalDpi xmlns:a14="http://schemas.microsoft.com/office/drawing/2010/main" xmlns="" val="0"/>
+                  <a14:useLocalDpi xmlns="" xmlns:a14="http://schemas.microsoft.com/office/drawing/2010/main" val="0"/>
                 </a:ext>
               </a:extLst>
             </a:blip>
@@ -12575,7 +12584,7 @@
     </p:spTree>
     <p:extLst>
       <p:ext uri="{BB962C8B-B14F-4D97-AF65-F5344CB8AC3E}">
-        <p14:creationId xmlns:p14="http://schemas.microsoft.com/office/powerpoint/2010/main" xmlns="" val="2556695812"/>
+        <p14:creationId xmlns="" xmlns:p14="http://schemas.microsoft.com/office/powerpoint/2010/main" val="2556695812"/>
       </p:ext>
     </p:extLst>
   </p:cSld>
@@ -12786,14 +12795,14 @@
           <a:effectLst/>
           <a:extLst>
             <a:ext uri="{909E8E84-426E-40DD-AFC4-6F175D3DCCD1}">
-              <a14:hiddenFill xmlns:a14="http://schemas.microsoft.com/office/drawing/2010/main" xmlns="">
+              <a14:hiddenFill xmlns="" xmlns:a14="http://schemas.microsoft.com/office/drawing/2010/main">
                 <a:solidFill>
                   <a:schemeClr val="accent1"/>
                 </a:solidFill>
               </a14:hiddenFill>
             </a:ext>
             <a:ext uri="{91240B29-F687-4F45-9708-019B960494DF}">
-              <a14:hiddenLine xmlns:a14="http://schemas.microsoft.com/office/drawing/2010/main" xmlns="" w="9525">
+              <a14:hiddenLine xmlns="" xmlns:a14="http://schemas.microsoft.com/office/drawing/2010/main" w="9525">
                 <a:solidFill>
                   <a:schemeClr val="tx1"/>
                 </a:solidFill>
@@ -12803,7 +12812,7 @@
               </a14:hiddenLine>
             </a:ext>
             <a:ext uri="{AF507438-7753-43E0-B8FC-AC1667EBCBE1}">
-              <a14:hiddenEffects xmlns:a14="http://schemas.microsoft.com/office/drawing/2010/main" xmlns="">
+              <a14:hiddenEffects xmlns="" xmlns:a14="http://schemas.microsoft.com/office/drawing/2010/main">
                 <a:effectLst>
                   <a:outerShdw dist="35921" dir="2700000" algn="ctr" rotWithShape="0">
                     <a:schemeClr val="bg2"/>
@@ -12849,14 +12858,14 @@
           <a:effectLst/>
           <a:extLst>
             <a:ext uri="{909E8E84-426E-40DD-AFC4-6F175D3DCCD1}">
-              <a14:hiddenFill xmlns:a14="http://schemas.microsoft.com/office/drawing/2010/main" xmlns="">
+              <a14:hiddenFill xmlns="" xmlns:a14="http://schemas.microsoft.com/office/drawing/2010/main">
                 <a:solidFill>
                   <a:schemeClr val="accent1"/>
                 </a:solidFill>
               </a14:hiddenFill>
             </a:ext>
             <a:ext uri="{91240B29-F687-4F45-9708-019B960494DF}">
-              <a14:hiddenLine xmlns:a14="http://schemas.microsoft.com/office/drawing/2010/main" xmlns="" w="9525">
+              <a14:hiddenLine xmlns="" xmlns:a14="http://schemas.microsoft.com/office/drawing/2010/main" w="9525">
                 <a:solidFill>
                   <a:schemeClr val="tx1"/>
                 </a:solidFill>
@@ -12866,7 +12875,7 @@
               </a14:hiddenLine>
             </a:ext>
             <a:ext uri="{AF507438-7753-43E0-B8FC-AC1667EBCBE1}">
-              <a14:hiddenEffects xmlns:a14="http://schemas.microsoft.com/office/drawing/2010/main" xmlns="">
+              <a14:hiddenEffects xmlns="" xmlns:a14="http://schemas.microsoft.com/office/drawing/2010/main">
                 <a:effectLst>
                   <a:outerShdw dist="35921" dir="2700000" algn="ctr" rotWithShape="0">
                     <a:schemeClr val="bg2"/>
@@ -13002,14 +13011,14 @@
           <a:effectLst/>
           <a:extLst>
             <a:ext uri="{909E8E84-426E-40DD-AFC4-6F175D3DCCD1}">
-              <a14:hiddenFill xmlns:a14="http://schemas.microsoft.com/office/drawing/2010/main" xmlns="">
+              <a14:hiddenFill xmlns="" xmlns:a14="http://schemas.microsoft.com/office/drawing/2010/main">
                 <a:solidFill>
                   <a:schemeClr val="accent1"/>
                 </a:solidFill>
               </a14:hiddenFill>
             </a:ext>
             <a:ext uri="{91240B29-F687-4F45-9708-019B960494DF}">
-              <a14:hiddenLine xmlns:a14="http://schemas.microsoft.com/office/drawing/2010/main" xmlns="" w="9525">
+              <a14:hiddenLine xmlns="" xmlns:a14="http://schemas.microsoft.com/office/drawing/2010/main" w="9525">
                 <a:solidFill>
                   <a:schemeClr val="tx1"/>
                 </a:solidFill>
@@ -13019,7 +13028,7 @@
               </a14:hiddenLine>
             </a:ext>
             <a:ext uri="{AF507438-7753-43E0-B8FC-AC1667EBCBE1}">
-              <a14:hiddenEffects xmlns:a14="http://schemas.microsoft.com/office/drawing/2010/main" xmlns="">
+              <a14:hiddenEffects xmlns="" xmlns:a14="http://schemas.microsoft.com/office/drawing/2010/main">
                 <a:effectLst>
                   <a:outerShdw dist="35921" dir="2700000" algn="ctr" rotWithShape="0">
                     <a:schemeClr val="bg2"/>
@@ -13272,14 +13281,14 @@
           <a:effectLst/>
           <a:extLst>
             <a:ext uri="{909E8E84-426E-40DD-AFC4-6F175D3DCCD1}">
-              <a14:hiddenFill xmlns:a14="http://schemas.microsoft.com/office/drawing/2010/main" xmlns="">
+              <a14:hiddenFill xmlns="" xmlns:a14="http://schemas.microsoft.com/office/drawing/2010/main">
                 <a:solidFill>
                   <a:schemeClr val="accent1"/>
                 </a:solidFill>
               </a14:hiddenFill>
             </a:ext>
             <a:ext uri="{91240B29-F687-4F45-9708-019B960494DF}">
-              <a14:hiddenLine xmlns:a14="http://schemas.microsoft.com/office/drawing/2010/main" xmlns="" w="9525">
+              <a14:hiddenLine xmlns="" xmlns:a14="http://schemas.microsoft.com/office/drawing/2010/main" w="9525">
                 <a:solidFill>
                   <a:schemeClr val="tx1"/>
                 </a:solidFill>
@@ -13289,7 +13298,7 @@
               </a14:hiddenLine>
             </a:ext>
             <a:ext uri="{AF507438-7753-43E0-B8FC-AC1667EBCBE1}">
-              <a14:hiddenEffects xmlns:a14="http://schemas.microsoft.com/office/drawing/2010/main" xmlns="">
+              <a14:hiddenEffects xmlns="" xmlns:a14="http://schemas.microsoft.com/office/drawing/2010/main">
                 <a:effectLst>
                   <a:outerShdw dist="35921" dir="2700000" algn="ctr" rotWithShape="0">
                     <a:schemeClr val="bg2"/>
@@ -13335,14 +13344,14 @@
           <a:effectLst/>
           <a:extLst>
             <a:ext uri="{909E8E84-426E-40DD-AFC4-6F175D3DCCD1}">
-              <a14:hiddenFill xmlns:a14="http://schemas.microsoft.com/office/drawing/2010/main" xmlns="">
+              <a14:hiddenFill xmlns="" xmlns:a14="http://schemas.microsoft.com/office/drawing/2010/main">
                 <a:solidFill>
                   <a:schemeClr val="accent1"/>
                 </a:solidFill>
               </a14:hiddenFill>
             </a:ext>
             <a:ext uri="{91240B29-F687-4F45-9708-019B960494DF}">
-              <a14:hiddenLine xmlns:a14="http://schemas.microsoft.com/office/drawing/2010/main" xmlns="" w="9525">
+              <a14:hiddenLine xmlns="" xmlns:a14="http://schemas.microsoft.com/office/drawing/2010/main" w="9525">
                 <a:solidFill>
                   <a:schemeClr val="tx1"/>
                 </a:solidFill>
@@ -13352,7 +13361,7 @@
               </a14:hiddenLine>
             </a:ext>
             <a:ext uri="{AF507438-7753-43E0-B8FC-AC1667EBCBE1}">
-              <a14:hiddenEffects xmlns:a14="http://schemas.microsoft.com/office/drawing/2010/main" xmlns="">
+              <a14:hiddenEffects xmlns="" xmlns:a14="http://schemas.microsoft.com/office/drawing/2010/main">
                 <a:effectLst>
                   <a:outerShdw dist="35921" dir="2700000" algn="ctr" rotWithShape="0">
                     <a:schemeClr val="bg2"/>
@@ -13387,7 +13396,7 @@
           <a:blip r:embed="rId3" cstate="print">
             <a:extLst>
               <a:ext uri="{28A0092B-C50C-407E-A947-70E740481C1C}">
-                <a14:useLocalDpi xmlns:a14="http://schemas.microsoft.com/office/drawing/2010/main" xmlns="" val="0"/>
+                <a14:useLocalDpi xmlns="" xmlns:a14="http://schemas.microsoft.com/office/drawing/2010/main" val="0"/>
               </a:ext>
             </a:extLst>
           </a:blip>
@@ -13432,7 +13441,7 @@
           </a:ln>
           <a:extLst>
             <a:ext uri="{909E8E84-426E-40DD-AFC4-6F175D3DCCD1}">
-              <a14:hiddenFill xmlns:a14="http://schemas.microsoft.com/office/drawing/2010/main" xmlns="">
+              <a14:hiddenFill xmlns="" xmlns:a14="http://schemas.microsoft.com/office/drawing/2010/main">
                 <a:noFill/>
               </a14:hiddenFill>
             </a:ext>
@@ -13477,7 +13486,7 @@
           </a:ln>
           <a:extLst>
             <a:ext uri="{909E8E84-426E-40DD-AFC4-6F175D3DCCD1}">
-              <a14:hiddenFill xmlns:a14="http://schemas.microsoft.com/office/drawing/2010/main" xmlns="">
+              <a14:hiddenFill xmlns="" xmlns:a14="http://schemas.microsoft.com/office/drawing/2010/main">
                 <a:noFill/>
               </a14:hiddenFill>
             </a:ext>
@@ -13759,7 +13768,7 @@
           </a:ln>
           <a:extLst>
             <a:ext uri="{909E8E84-426E-40DD-AFC4-6F175D3DCCD1}">
-              <a14:hiddenFill xmlns:a14="http://schemas.microsoft.com/office/drawing/2010/main" xmlns="">
+              <a14:hiddenFill xmlns="" xmlns:a14="http://schemas.microsoft.com/office/drawing/2010/main">
                 <a:noFill/>
               </a14:hiddenFill>
             </a:ext>
@@ -14007,7 +14016,7 @@
             <a:blip r:embed="rId4" cstate="print">
               <a:extLst>
                 <a:ext uri="{28A0092B-C50C-407E-A947-70E740481C1C}">
-                  <a14:useLocalDpi xmlns:a14="http://schemas.microsoft.com/office/drawing/2010/main" xmlns="" val="0"/>
+                  <a14:useLocalDpi xmlns="" xmlns:a14="http://schemas.microsoft.com/office/drawing/2010/main" val="0"/>
                 </a:ext>
               </a:extLst>
             </a:blip>
@@ -14029,7 +14038,7 @@
     </p:spTree>
     <p:extLst>
       <p:ext uri="{BB962C8B-B14F-4D97-AF65-F5344CB8AC3E}">
-        <p14:creationId xmlns:p14="http://schemas.microsoft.com/office/powerpoint/2010/main" xmlns="" val="1988222778"/>
+        <p14:creationId xmlns="" xmlns:p14="http://schemas.microsoft.com/office/powerpoint/2010/main" val="1988222778"/>
       </p:ext>
     </p:extLst>
   </p:cSld>
@@ -14240,14 +14249,14 @@
           <a:effectLst/>
           <a:extLst>
             <a:ext uri="{909E8E84-426E-40DD-AFC4-6F175D3DCCD1}">
-              <a14:hiddenFill xmlns:a14="http://schemas.microsoft.com/office/drawing/2010/main" xmlns="">
+              <a14:hiddenFill xmlns="" xmlns:a14="http://schemas.microsoft.com/office/drawing/2010/main">
                 <a:solidFill>
                   <a:schemeClr val="accent1"/>
                 </a:solidFill>
               </a14:hiddenFill>
             </a:ext>
             <a:ext uri="{91240B29-F687-4F45-9708-019B960494DF}">
-              <a14:hiddenLine xmlns:a14="http://schemas.microsoft.com/office/drawing/2010/main" xmlns="" w="9525">
+              <a14:hiddenLine xmlns="" xmlns:a14="http://schemas.microsoft.com/office/drawing/2010/main" w="9525">
                 <a:solidFill>
                   <a:schemeClr val="tx1"/>
                 </a:solidFill>
@@ -14257,7 +14266,7 @@
               </a14:hiddenLine>
             </a:ext>
             <a:ext uri="{AF507438-7753-43E0-B8FC-AC1667EBCBE1}">
-              <a14:hiddenEffects xmlns:a14="http://schemas.microsoft.com/office/drawing/2010/main" xmlns="">
+              <a14:hiddenEffects xmlns="" xmlns:a14="http://schemas.microsoft.com/office/drawing/2010/main">
                 <a:effectLst>
                   <a:outerShdw dist="35921" dir="2700000" algn="ctr" rotWithShape="0">
                     <a:schemeClr val="bg2"/>
@@ -14303,14 +14312,14 @@
           <a:effectLst/>
           <a:extLst>
             <a:ext uri="{909E8E84-426E-40DD-AFC4-6F175D3DCCD1}">
-              <a14:hiddenFill xmlns:a14="http://schemas.microsoft.com/office/drawing/2010/main" xmlns="">
+              <a14:hiddenFill xmlns="" xmlns:a14="http://schemas.microsoft.com/office/drawing/2010/main">
                 <a:solidFill>
                   <a:schemeClr val="accent1"/>
                 </a:solidFill>
               </a14:hiddenFill>
             </a:ext>
             <a:ext uri="{91240B29-F687-4F45-9708-019B960494DF}">
-              <a14:hiddenLine xmlns:a14="http://schemas.microsoft.com/office/drawing/2010/main" xmlns="" w="9525">
+              <a14:hiddenLine xmlns="" xmlns:a14="http://schemas.microsoft.com/office/drawing/2010/main" w="9525">
                 <a:solidFill>
                   <a:schemeClr val="tx1"/>
                 </a:solidFill>
@@ -14320,7 +14329,7 @@
               </a14:hiddenLine>
             </a:ext>
             <a:ext uri="{AF507438-7753-43E0-B8FC-AC1667EBCBE1}">
-              <a14:hiddenEffects xmlns:a14="http://schemas.microsoft.com/office/drawing/2010/main" xmlns="">
+              <a14:hiddenEffects xmlns="" xmlns:a14="http://schemas.microsoft.com/office/drawing/2010/main">
                 <a:effectLst>
                   <a:outerShdw dist="35921" dir="2700000" algn="ctr" rotWithShape="0">
                     <a:schemeClr val="bg2"/>
@@ -14405,14 +14414,14 @@
           <a:effectLst/>
           <a:extLst>
             <a:ext uri="{909E8E84-426E-40DD-AFC4-6F175D3DCCD1}">
-              <a14:hiddenFill xmlns:a14="http://schemas.microsoft.com/office/drawing/2010/main" xmlns="">
+              <a14:hiddenFill xmlns="" xmlns:a14="http://schemas.microsoft.com/office/drawing/2010/main">
                 <a:solidFill>
                   <a:schemeClr val="accent1"/>
                 </a:solidFill>
               </a14:hiddenFill>
             </a:ext>
             <a:ext uri="{91240B29-F687-4F45-9708-019B960494DF}">
-              <a14:hiddenLine xmlns:a14="http://schemas.microsoft.com/office/drawing/2010/main" xmlns="" w="9525">
+              <a14:hiddenLine xmlns="" xmlns:a14="http://schemas.microsoft.com/office/drawing/2010/main" w="9525">
                 <a:solidFill>
                   <a:schemeClr val="tx1"/>
                 </a:solidFill>
@@ -14422,7 +14431,7 @@
               </a14:hiddenLine>
             </a:ext>
             <a:ext uri="{AF507438-7753-43E0-B8FC-AC1667EBCBE1}">
-              <a14:hiddenEffects xmlns:a14="http://schemas.microsoft.com/office/drawing/2010/main" xmlns="">
+              <a14:hiddenEffects xmlns="" xmlns:a14="http://schemas.microsoft.com/office/drawing/2010/main">
                 <a:effectLst>
                   <a:outerShdw dist="35921" dir="2700000" algn="ctr" rotWithShape="0">
                     <a:schemeClr val="bg2"/>
@@ -14468,14 +14477,14 @@
           <a:effectLst/>
           <a:extLst>
             <a:ext uri="{909E8E84-426E-40DD-AFC4-6F175D3DCCD1}">
-              <a14:hiddenFill xmlns:a14="http://schemas.microsoft.com/office/drawing/2010/main" xmlns="">
+              <a14:hiddenFill xmlns="" xmlns:a14="http://schemas.microsoft.com/office/drawing/2010/main">
                 <a:solidFill>
                   <a:schemeClr val="accent1"/>
                 </a:solidFill>
               </a14:hiddenFill>
             </a:ext>
             <a:ext uri="{91240B29-F687-4F45-9708-019B960494DF}">
-              <a14:hiddenLine xmlns:a14="http://schemas.microsoft.com/office/drawing/2010/main" xmlns="" w="9525">
+              <a14:hiddenLine xmlns="" xmlns:a14="http://schemas.microsoft.com/office/drawing/2010/main" w="9525">
                 <a:solidFill>
                   <a:schemeClr val="tx1"/>
                 </a:solidFill>
@@ -14485,7 +14494,7 @@
               </a14:hiddenLine>
             </a:ext>
             <a:ext uri="{AF507438-7753-43E0-B8FC-AC1667EBCBE1}">
-              <a14:hiddenEffects xmlns:a14="http://schemas.microsoft.com/office/drawing/2010/main" xmlns="">
+              <a14:hiddenEffects xmlns="" xmlns:a14="http://schemas.microsoft.com/office/drawing/2010/main">
                 <a:effectLst>
                   <a:outerShdw dist="35921" dir="2700000" algn="ctr" rotWithShape="0">
                     <a:schemeClr val="bg2"/>
@@ -14531,14 +14540,14 @@
           <a:effectLst/>
           <a:extLst>
             <a:ext uri="{909E8E84-426E-40DD-AFC4-6F175D3DCCD1}">
-              <a14:hiddenFill xmlns:a14="http://schemas.microsoft.com/office/drawing/2010/main" xmlns="">
+              <a14:hiddenFill xmlns="" xmlns:a14="http://schemas.microsoft.com/office/drawing/2010/main">
                 <a:solidFill>
                   <a:schemeClr val="accent1"/>
                 </a:solidFill>
               </a14:hiddenFill>
             </a:ext>
             <a:ext uri="{91240B29-F687-4F45-9708-019B960494DF}">
-              <a14:hiddenLine xmlns:a14="http://schemas.microsoft.com/office/drawing/2010/main" xmlns="" w="9525">
+              <a14:hiddenLine xmlns="" xmlns:a14="http://schemas.microsoft.com/office/drawing/2010/main" w="9525">
                 <a:solidFill>
                   <a:schemeClr val="tx1"/>
                 </a:solidFill>
@@ -14548,7 +14557,7 @@
               </a14:hiddenLine>
             </a:ext>
             <a:ext uri="{AF507438-7753-43E0-B8FC-AC1667EBCBE1}">
-              <a14:hiddenEffects xmlns:a14="http://schemas.microsoft.com/office/drawing/2010/main" xmlns="">
+              <a14:hiddenEffects xmlns="" xmlns:a14="http://schemas.microsoft.com/office/drawing/2010/main">
                 <a:effectLst>
                   <a:outerShdw dist="35921" dir="2700000" algn="ctr" rotWithShape="0">
                     <a:schemeClr val="bg2"/>
@@ -14646,7 +14655,7 @@
             <a:blip r:embed="rId3" cstate="print">
               <a:extLst>
                 <a:ext uri="{28A0092B-C50C-407E-A947-70E740481C1C}">
-                  <a14:useLocalDpi xmlns:a14="http://schemas.microsoft.com/office/drawing/2010/main" xmlns="" val="0"/>
+                  <a14:useLocalDpi xmlns="" xmlns:a14="http://schemas.microsoft.com/office/drawing/2010/main" val="0"/>
                 </a:ext>
               </a:extLst>
             </a:blip>
@@ -14668,7 +14677,7 @@
     </p:spTree>
     <p:extLst>
       <p:ext uri="{BB962C8B-B14F-4D97-AF65-F5344CB8AC3E}">
-        <p14:creationId xmlns:p14="http://schemas.microsoft.com/office/powerpoint/2010/main" xmlns="" val="871536118"/>
+        <p14:creationId xmlns="" xmlns:p14="http://schemas.microsoft.com/office/powerpoint/2010/main" val="871536118"/>
       </p:ext>
     </p:extLst>
   </p:cSld>
@@ -14879,14 +14888,14 @@
           <a:effectLst/>
           <a:extLst>
             <a:ext uri="{909E8E84-426E-40DD-AFC4-6F175D3DCCD1}">
-              <a14:hiddenFill xmlns:a14="http://schemas.microsoft.com/office/drawing/2010/main" xmlns="">
+              <a14:hiddenFill xmlns="" xmlns:a14="http://schemas.microsoft.com/office/drawing/2010/main">
                 <a:solidFill>
                   <a:schemeClr val="accent1"/>
                 </a:solidFill>
               </a14:hiddenFill>
             </a:ext>
             <a:ext uri="{91240B29-F687-4F45-9708-019B960494DF}">
-              <a14:hiddenLine xmlns:a14="http://schemas.microsoft.com/office/drawing/2010/main" xmlns="" w="9525">
+              <a14:hiddenLine xmlns="" xmlns:a14="http://schemas.microsoft.com/office/drawing/2010/main" w="9525">
                 <a:solidFill>
                   <a:schemeClr val="tx1"/>
                 </a:solidFill>
@@ -14896,7 +14905,7 @@
               </a14:hiddenLine>
             </a:ext>
             <a:ext uri="{AF507438-7753-43E0-B8FC-AC1667EBCBE1}">
-              <a14:hiddenEffects xmlns:a14="http://schemas.microsoft.com/office/drawing/2010/main" xmlns="">
+              <a14:hiddenEffects xmlns="" xmlns:a14="http://schemas.microsoft.com/office/drawing/2010/main">
                 <a:effectLst>
                   <a:outerShdw dist="35921" dir="2700000" algn="ctr" rotWithShape="0">
                     <a:schemeClr val="bg2"/>
@@ -14942,14 +14951,14 @@
           <a:effectLst/>
           <a:extLst>
             <a:ext uri="{909E8E84-426E-40DD-AFC4-6F175D3DCCD1}">
-              <a14:hiddenFill xmlns:a14="http://schemas.microsoft.com/office/drawing/2010/main" xmlns="">
+              <a14:hiddenFill xmlns="" xmlns:a14="http://schemas.microsoft.com/office/drawing/2010/main">
                 <a:solidFill>
                   <a:schemeClr val="accent1"/>
                 </a:solidFill>
               </a14:hiddenFill>
             </a:ext>
             <a:ext uri="{91240B29-F687-4F45-9708-019B960494DF}">
-              <a14:hiddenLine xmlns:a14="http://schemas.microsoft.com/office/drawing/2010/main" xmlns="" w="9525">
+              <a14:hiddenLine xmlns="" xmlns:a14="http://schemas.microsoft.com/office/drawing/2010/main" w="9525">
                 <a:solidFill>
                   <a:schemeClr val="tx1"/>
                 </a:solidFill>
@@ -14959,7 +14968,7 @@
               </a14:hiddenLine>
             </a:ext>
             <a:ext uri="{AF507438-7753-43E0-B8FC-AC1667EBCBE1}">
-              <a14:hiddenEffects xmlns:a14="http://schemas.microsoft.com/office/drawing/2010/main" xmlns="">
+              <a14:hiddenEffects xmlns="" xmlns:a14="http://schemas.microsoft.com/office/drawing/2010/main">
                 <a:effectLst>
                   <a:outerShdw dist="35921" dir="2700000" algn="ctr" rotWithShape="0">
                     <a:schemeClr val="bg2"/>
@@ -15456,7 +15465,7 @@
           <a:blip r:embed="rId3" cstate="print">
             <a:extLst>
               <a:ext uri="{28A0092B-C50C-407E-A947-70E740481C1C}">
-                <a14:useLocalDpi xmlns:a14="http://schemas.microsoft.com/office/drawing/2010/main" xmlns="" val="0"/>
+                <a14:useLocalDpi xmlns="" xmlns:a14="http://schemas.microsoft.com/office/drawing/2010/main" val="0"/>
               </a:ext>
             </a:extLst>
           </a:blip>
@@ -15498,7 +15507,7 @@
           </a:ln>
           <a:extLst>
             <a:ext uri="{91240B29-F687-4F45-9708-019B960494DF}">
-              <a14:hiddenLine xmlns:a14="http://schemas.microsoft.com/office/drawing/2010/main" xmlns="" w="9525">
+              <a14:hiddenLine xmlns="" xmlns:a14="http://schemas.microsoft.com/office/drawing/2010/main" w="9525">
                 <a:solidFill>
                   <a:srgbClr val="000000"/>
                 </a:solidFill>
@@ -15591,7 +15600,7 @@
           <a:blip r:embed="rId4" cstate="print">
             <a:extLst>
               <a:ext uri="{28A0092B-C50C-407E-A947-70E740481C1C}">
-                <a14:useLocalDpi xmlns:a14="http://schemas.microsoft.com/office/drawing/2010/main" xmlns="" val="0"/>
+                <a14:useLocalDpi xmlns="" xmlns:a14="http://schemas.microsoft.com/office/drawing/2010/main" val="0"/>
               </a:ext>
             </a:extLst>
           </a:blip>
@@ -15621,7 +15630,7 @@
           <a:blip r:embed="rId5" cstate="print">
             <a:extLst>
               <a:ext uri="{28A0092B-C50C-407E-A947-70E740481C1C}">
-                <a14:useLocalDpi xmlns:a14="http://schemas.microsoft.com/office/drawing/2010/main" xmlns="" val="0"/>
+                <a14:useLocalDpi xmlns="" xmlns:a14="http://schemas.microsoft.com/office/drawing/2010/main" val="0"/>
               </a:ext>
             </a:extLst>
           </a:blip>
@@ -15831,7 +15840,7 @@
           </a:ln>
           <a:extLst>
             <a:ext uri="{91240B29-F687-4F45-9708-019B960494DF}">
-              <a14:hiddenLine xmlns:a14="http://schemas.microsoft.com/office/drawing/2010/main" xmlns="" w="9525">
+              <a14:hiddenLine xmlns="" xmlns:a14="http://schemas.microsoft.com/office/drawing/2010/main" w="9525">
                 <a:solidFill>
                   <a:srgbClr val="000000"/>
                 </a:solidFill>
@@ -16120,7 +16129,7 @@
           </a:ln>
           <a:extLst>
             <a:ext uri="{91240B29-F687-4F45-9708-019B960494DF}">
-              <a14:hiddenLine xmlns:a14="http://schemas.microsoft.com/office/drawing/2010/main" xmlns="" w="9525">
+              <a14:hiddenLine xmlns="" xmlns:a14="http://schemas.microsoft.com/office/drawing/2010/main" w="9525">
                 <a:solidFill>
                   <a:srgbClr val="000000"/>
                 </a:solidFill>
@@ -16254,7 +16263,7 @@
             <a:blip r:embed="rId6" cstate="print">
               <a:extLst>
                 <a:ext uri="{28A0092B-C50C-407E-A947-70E740481C1C}">
-                  <a14:useLocalDpi xmlns:a14="http://schemas.microsoft.com/office/drawing/2010/main" xmlns="" val="0"/>
+                  <a14:useLocalDpi xmlns="" xmlns:a14="http://schemas.microsoft.com/office/drawing/2010/main" val="0"/>
                 </a:ext>
               </a:extLst>
             </a:blip>
@@ -16276,7 +16285,7 @@
     </p:spTree>
     <p:extLst>
       <p:ext uri="{BB962C8B-B14F-4D97-AF65-F5344CB8AC3E}">
-        <p14:creationId xmlns:p14="http://schemas.microsoft.com/office/powerpoint/2010/main" xmlns="" val="477753770"/>
+        <p14:creationId xmlns="" xmlns:p14="http://schemas.microsoft.com/office/powerpoint/2010/main" val="477753770"/>
       </p:ext>
     </p:extLst>
   </p:cSld>
@@ -16621,7 +16630,7 @@
             <a:blip r:embed="rId3" cstate="print">
               <a:extLst>
                 <a:ext uri="{28A0092B-C50C-407E-A947-70E740481C1C}">
-                  <a14:useLocalDpi xmlns:a14="http://schemas.microsoft.com/office/drawing/2010/main" xmlns="" val="0"/>
+                  <a14:useLocalDpi xmlns="" xmlns:a14="http://schemas.microsoft.com/office/drawing/2010/main" val="0"/>
                 </a:ext>
               </a:extLst>
             </a:blip>
@@ -17094,7 +17103,7 @@
             <a:blip r:embed="rId3" cstate="print">
               <a:extLst>
                 <a:ext uri="{28A0092B-C50C-407E-A947-70E740481C1C}">
-                  <a14:useLocalDpi xmlns:a14="http://schemas.microsoft.com/office/drawing/2010/main" xmlns="" val="0"/>
+                  <a14:useLocalDpi xmlns="" xmlns:a14="http://schemas.microsoft.com/office/drawing/2010/main" val="0"/>
                 </a:ext>
               </a:extLst>
             </a:blip>
@@ -17161,7 +17170,7 @@
     </p:spTree>
     <p:extLst>
       <p:ext uri="{BB962C8B-B14F-4D97-AF65-F5344CB8AC3E}">
-        <p14:creationId xmlns:p14="http://schemas.microsoft.com/office/powerpoint/2010/main" xmlns="" val="500571979"/>
+        <p14:creationId xmlns="" xmlns:p14="http://schemas.microsoft.com/office/powerpoint/2010/main" val="500571979"/>
       </p:ext>
     </p:extLst>
   </p:cSld>
@@ -17396,7 +17405,7 @@
           <a:blip r:embed="rId3" cstate="print">
             <a:extLst>
               <a:ext uri="{28A0092B-C50C-407E-A947-70E740481C1C}">
-                <a14:useLocalDpi xmlns:a14="http://schemas.microsoft.com/office/drawing/2010/main" xmlns="" val="0"/>
+                <a14:useLocalDpi xmlns="" xmlns:a14="http://schemas.microsoft.com/office/drawing/2010/main" val="0"/>
               </a:ext>
             </a:extLst>
           </a:blip>
@@ -17426,7 +17435,7 @@
           <a:blip r:embed="rId4" cstate="print">
             <a:extLst>
               <a:ext uri="{28A0092B-C50C-407E-A947-70E740481C1C}">
-                <a14:useLocalDpi xmlns:a14="http://schemas.microsoft.com/office/drawing/2010/main" xmlns="" val="0"/>
+                <a14:useLocalDpi xmlns="" xmlns:a14="http://schemas.microsoft.com/office/drawing/2010/main" val="0"/>
               </a:ext>
             </a:extLst>
           </a:blip>
@@ -17456,7 +17465,7 @@
           <a:blip r:embed="rId5" cstate="print">
             <a:extLst>
               <a:ext uri="{28A0092B-C50C-407E-A947-70E740481C1C}">
-                <a14:useLocalDpi xmlns:a14="http://schemas.microsoft.com/office/drawing/2010/main" xmlns="" val="0"/>
+                <a14:useLocalDpi xmlns="" xmlns:a14="http://schemas.microsoft.com/office/drawing/2010/main" val="0"/>
               </a:ext>
             </a:extLst>
           </a:blip>
@@ -17497,14 +17506,14 @@
           <a:effectLst/>
           <a:extLst>
             <a:ext uri="{909E8E84-426E-40DD-AFC4-6F175D3DCCD1}">
-              <a14:hiddenFill xmlns:a14="http://schemas.microsoft.com/office/drawing/2010/main" xmlns="">
+              <a14:hiddenFill xmlns="" xmlns:a14="http://schemas.microsoft.com/office/drawing/2010/main">
                 <a:solidFill>
                   <a:schemeClr val="accent1"/>
                 </a:solidFill>
               </a14:hiddenFill>
             </a:ext>
             <a:ext uri="{91240B29-F687-4F45-9708-019B960494DF}">
-              <a14:hiddenLine xmlns:a14="http://schemas.microsoft.com/office/drawing/2010/main" xmlns="" w="9525">
+              <a14:hiddenLine xmlns="" xmlns:a14="http://schemas.microsoft.com/office/drawing/2010/main" w="9525">
                 <a:solidFill>
                   <a:schemeClr val="tx1"/>
                 </a:solidFill>
@@ -17514,7 +17523,7 @@
               </a14:hiddenLine>
             </a:ext>
             <a:ext uri="{AF507438-7753-43E0-B8FC-AC1667EBCBE1}">
-              <a14:hiddenEffects xmlns:a14="http://schemas.microsoft.com/office/drawing/2010/main" xmlns="">
+              <a14:hiddenEffects xmlns="" xmlns:a14="http://schemas.microsoft.com/office/drawing/2010/main">
                 <a:effectLst>
                   <a:outerShdw dist="35921" dir="2700000" algn="ctr" rotWithShape="0">
                     <a:schemeClr val="bg2"/>
@@ -17561,7 +17570,7 @@
           </a:ln>
           <a:extLst>
             <a:ext uri="{91240B29-F687-4F45-9708-019B960494DF}">
-              <a14:hiddenLine xmlns:a14="http://schemas.microsoft.com/office/drawing/2010/main" xmlns="" w="9525">
+              <a14:hiddenLine xmlns="" xmlns:a14="http://schemas.microsoft.com/office/drawing/2010/main" w="9525">
                 <a:solidFill>
                   <a:srgbClr val="000000"/>
                 </a:solidFill>
@@ -17607,14 +17616,14 @@
           <a:effectLst/>
           <a:extLst>
             <a:ext uri="{909E8E84-426E-40DD-AFC4-6F175D3DCCD1}">
-              <a14:hiddenFill xmlns:a14="http://schemas.microsoft.com/office/drawing/2010/main" xmlns="">
+              <a14:hiddenFill xmlns="" xmlns:a14="http://schemas.microsoft.com/office/drawing/2010/main">
                 <a:solidFill>
                   <a:schemeClr val="accent1"/>
                 </a:solidFill>
               </a14:hiddenFill>
             </a:ext>
             <a:ext uri="{91240B29-F687-4F45-9708-019B960494DF}">
-              <a14:hiddenLine xmlns:a14="http://schemas.microsoft.com/office/drawing/2010/main" xmlns="" w="9525">
+              <a14:hiddenLine xmlns="" xmlns:a14="http://schemas.microsoft.com/office/drawing/2010/main" w="9525">
                 <a:solidFill>
                   <a:schemeClr val="tx1"/>
                 </a:solidFill>
@@ -17624,7 +17633,7 @@
               </a14:hiddenLine>
             </a:ext>
             <a:ext uri="{AF507438-7753-43E0-B8FC-AC1667EBCBE1}">
-              <a14:hiddenEffects xmlns:a14="http://schemas.microsoft.com/office/drawing/2010/main" xmlns="">
+              <a14:hiddenEffects xmlns="" xmlns:a14="http://schemas.microsoft.com/office/drawing/2010/main">
                 <a:effectLst>
                   <a:outerShdw dist="35921" dir="2700000" algn="ctr" rotWithShape="0">
                     <a:schemeClr val="bg2"/>
@@ -17669,14 +17678,14 @@
           </a:ln>
           <a:extLst>
             <a:ext uri="{909E8E84-426E-40DD-AFC4-6F175D3DCCD1}">
-              <a14:hiddenFill xmlns:a14="http://schemas.microsoft.com/office/drawing/2010/main" xmlns="">
+              <a14:hiddenFill xmlns="" xmlns:a14="http://schemas.microsoft.com/office/drawing/2010/main">
                 <a:solidFill>
                   <a:srgbClr val="FFFFFF"/>
                 </a:solidFill>
               </a14:hiddenFill>
             </a:ext>
             <a:ext uri="{91240B29-F687-4F45-9708-019B960494DF}">
-              <a14:hiddenLine xmlns:a14="http://schemas.microsoft.com/office/drawing/2010/main" xmlns="" w="9525">
+              <a14:hiddenLine xmlns="" xmlns:a14="http://schemas.microsoft.com/office/drawing/2010/main" w="9525">
                 <a:solidFill>
                   <a:srgbClr val="000000"/>
                 </a:solidFill>
@@ -18006,7 +18015,7 @@
             <a:blip r:embed="rId6" cstate="print">
               <a:extLst>
                 <a:ext uri="{28A0092B-C50C-407E-A947-70E740481C1C}">
-                  <a14:useLocalDpi xmlns:a14="http://schemas.microsoft.com/office/drawing/2010/main" xmlns="" val="0"/>
+                  <a14:useLocalDpi xmlns="" xmlns:a14="http://schemas.microsoft.com/office/drawing/2010/main" val="0"/>
                 </a:ext>
               </a:extLst>
             </a:blip>
@@ -18271,14 +18280,14 @@
           <a:effectLst/>
           <a:extLst>
             <a:ext uri="{909E8E84-426E-40DD-AFC4-6F175D3DCCD1}">
-              <a14:hiddenFill xmlns:a14="http://schemas.microsoft.com/office/drawing/2010/main" xmlns="">
+              <a14:hiddenFill xmlns="" xmlns:a14="http://schemas.microsoft.com/office/drawing/2010/main">
                 <a:solidFill>
                   <a:schemeClr val="accent1"/>
                 </a:solidFill>
               </a14:hiddenFill>
             </a:ext>
             <a:ext uri="{91240B29-F687-4F45-9708-019B960494DF}">
-              <a14:hiddenLine xmlns:a14="http://schemas.microsoft.com/office/drawing/2010/main" xmlns="" w="9525">
+              <a14:hiddenLine xmlns="" xmlns:a14="http://schemas.microsoft.com/office/drawing/2010/main" w="9525">
                 <a:solidFill>
                   <a:schemeClr val="tx1"/>
                 </a:solidFill>
@@ -18288,7 +18297,7 @@
               </a14:hiddenLine>
             </a:ext>
             <a:ext uri="{AF507438-7753-43E0-B8FC-AC1667EBCBE1}">
-              <a14:hiddenEffects xmlns:a14="http://schemas.microsoft.com/office/drawing/2010/main" xmlns="">
+              <a14:hiddenEffects xmlns="" xmlns:a14="http://schemas.microsoft.com/office/drawing/2010/main">
                 <a:effectLst>
                   <a:outerShdw dist="35921" dir="2700000" algn="ctr" rotWithShape="0">
                     <a:schemeClr val="bg2"/>
@@ -18334,14 +18343,14 @@
           <a:effectLst/>
           <a:extLst>
             <a:ext uri="{909E8E84-426E-40DD-AFC4-6F175D3DCCD1}">
-              <a14:hiddenFill xmlns:a14="http://schemas.microsoft.com/office/drawing/2010/main" xmlns="">
+              <a14:hiddenFill xmlns="" xmlns:a14="http://schemas.microsoft.com/office/drawing/2010/main">
                 <a:solidFill>
                   <a:schemeClr val="accent1"/>
                 </a:solidFill>
               </a14:hiddenFill>
             </a:ext>
             <a:ext uri="{91240B29-F687-4F45-9708-019B960494DF}">
-              <a14:hiddenLine xmlns:a14="http://schemas.microsoft.com/office/drawing/2010/main" xmlns="" w="9525">
+              <a14:hiddenLine xmlns="" xmlns:a14="http://schemas.microsoft.com/office/drawing/2010/main" w="9525">
                 <a:solidFill>
                   <a:schemeClr val="tx1"/>
                 </a:solidFill>
@@ -18351,7 +18360,7 @@
               </a14:hiddenLine>
             </a:ext>
             <a:ext uri="{AF507438-7753-43E0-B8FC-AC1667EBCBE1}">
-              <a14:hiddenEffects xmlns:a14="http://schemas.microsoft.com/office/drawing/2010/main" xmlns="">
+              <a14:hiddenEffects xmlns="" xmlns:a14="http://schemas.microsoft.com/office/drawing/2010/main">
                 <a:effectLst>
                   <a:outerShdw dist="35921" dir="2700000" algn="ctr" rotWithShape="0">
                     <a:schemeClr val="bg2"/>
@@ -18440,14 +18449,14 @@
           <a:effectLst/>
           <a:extLst>
             <a:ext uri="{909E8E84-426E-40DD-AFC4-6F175D3DCCD1}">
-              <a14:hiddenFill xmlns:a14="http://schemas.microsoft.com/office/drawing/2010/main" xmlns="">
+              <a14:hiddenFill xmlns="" xmlns:a14="http://schemas.microsoft.com/office/drawing/2010/main">
                 <a:solidFill>
                   <a:schemeClr val="accent1"/>
                 </a:solidFill>
               </a14:hiddenFill>
             </a:ext>
             <a:ext uri="{91240B29-F687-4F45-9708-019B960494DF}">
-              <a14:hiddenLine xmlns:a14="http://schemas.microsoft.com/office/drawing/2010/main" xmlns="" w="9525">
+              <a14:hiddenLine xmlns="" xmlns:a14="http://schemas.microsoft.com/office/drawing/2010/main" w="9525">
                 <a:solidFill>
                   <a:schemeClr val="tx1"/>
                 </a:solidFill>
@@ -18457,7 +18466,7 @@
               </a14:hiddenLine>
             </a:ext>
             <a:ext uri="{AF507438-7753-43E0-B8FC-AC1667EBCBE1}">
-              <a14:hiddenEffects xmlns:a14="http://schemas.microsoft.com/office/drawing/2010/main" xmlns="">
+              <a14:hiddenEffects xmlns="" xmlns:a14="http://schemas.microsoft.com/office/drawing/2010/main">
                 <a:effectLst>
                   <a:outerShdw dist="35921" dir="2700000" algn="ctr" rotWithShape="0">
                     <a:schemeClr val="bg2"/>
@@ -18503,14 +18512,14 @@
           <a:effectLst/>
           <a:extLst>
             <a:ext uri="{909E8E84-426E-40DD-AFC4-6F175D3DCCD1}">
-              <a14:hiddenFill xmlns:a14="http://schemas.microsoft.com/office/drawing/2010/main" xmlns="">
+              <a14:hiddenFill xmlns="" xmlns:a14="http://schemas.microsoft.com/office/drawing/2010/main">
                 <a:solidFill>
                   <a:schemeClr val="accent1"/>
                 </a:solidFill>
               </a14:hiddenFill>
             </a:ext>
             <a:ext uri="{91240B29-F687-4F45-9708-019B960494DF}">
-              <a14:hiddenLine xmlns:a14="http://schemas.microsoft.com/office/drawing/2010/main" xmlns="" w="9525">
+              <a14:hiddenLine xmlns="" xmlns:a14="http://schemas.microsoft.com/office/drawing/2010/main" w="9525">
                 <a:solidFill>
                   <a:schemeClr val="tx1"/>
                 </a:solidFill>
@@ -18520,7 +18529,7 @@
               </a14:hiddenLine>
             </a:ext>
             <a:ext uri="{AF507438-7753-43E0-B8FC-AC1667EBCBE1}">
-              <a14:hiddenEffects xmlns:a14="http://schemas.microsoft.com/office/drawing/2010/main" xmlns="">
+              <a14:hiddenEffects xmlns="" xmlns:a14="http://schemas.microsoft.com/office/drawing/2010/main">
                 <a:effectLst>
                   <a:outerShdw dist="35921" dir="2700000" algn="ctr" rotWithShape="0">
                     <a:schemeClr val="bg2"/>
@@ -18566,14 +18575,14 @@
           <a:effectLst/>
           <a:extLst>
             <a:ext uri="{909E8E84-426E-40DD-AFC4-6F175D3DCCD1}">
-              <a14:hiddenFill xmlns:a14="http://schemas.microsoft.com/office/drawing/2010/main" xmlns="">
+              <a14:hiddenFill xmlns="" xmlns:a14="http://schemas.microsoft.com/office/drawing/2010/main">
                 <a:solidFill>
                   <a:schemeClr val="accent1"/>
                 </a:solidFill>
               </a14:hiddenFill>
             </a:ext>
             <a:ext uri="{91240B29-F687-4F45-9708-019B960494DF}">
-              <a14:hiddenLine xmlns:a14="http://schemas.microsoft.com/office/drawing/2010/main" xmlns="" w="9525">
+              <a14:hiddenLine xmlns="" xmlns:a14="http://schemas.microsoft.com/office/drawing/2010/main" w="9525">
                 <a:solidFill>
                   <a:schemeClr val="tx1"/>
                 </a:solidFill>
@@ -18583,7 +18592,7 @@
               </a14:hiddenLine>
             </a:ext>
             <a:ext uri="{AF507438-7753-43E0-B8FC-AC1667EBCBE1}">
-              <a14:hiddenEffects xmlns:a14="http://schemas.microsoft.com/office/drawing/2010/main" xmlns="">
+              <a14:hiddenEffects xmlns="" xmlns:a14="http://schemas.microsoft.com/office/drawing/2010/main">
                 <a:effectLst>
                   <a:outerShdw dist="35921" dir="2700000" algn="ctr" rotWithShape="0">
                     <a:schemeClr val="bg2"/>
@@ -18629,14 +18638,14 @@
           <a:effectLst/>
           <a:extLst>
             <a:ext uri="{909E8E84-426E-40DD-AFC4-6F175D3DCCD1}">
-              <a14:hiddenFill xmlns:a14="http://schemas.microsoft.com/office/drawing/2010/main" xmlns="">
+              <a14:hiddenFill xmlns="" xmlns:a14="http://schemas.microsoft.com/office/drawing/2010/main">
                 <a:solidFill>
                   <a:schemeClr val="accent1"/>
                 </a:solidFill>
               </a14:hiddenFill>
             </a:ext>
             <a:ext uri="{91240B29-F687-4F45-9708-019B960494DF}">
-              <a14:hiddenLine xmlns:a14="http://schemas.microsoft.com/office/drawing/2010/main" xmlns="" w="9525">
+              <a14:hiddenLine xmlns="" xmlns:a14="http://schemas.microsoft.com/office/drawing/2010/main" w="9525">
                 <a:solidFill>
                   <a:schemeClr val="tx1"/>
                 </a:solidFill>
@@ -18646,7 +18655,7 @@
               </a14:hiddenLine>
             </a:ext>
             <a:ext uri="{AF507438-7753-43E0-B8FC-AC1667EBCBE1}">
-              <a14:hiddenEffects xmlns:a14="http://schemas.microsoft.com/office/drawing/2010/main" xmlns="">
+              <a14:hiddenEffects xmlns="" xmlns:a14="http://schemas.microsoft.com/office/drawing/2010/main">
                 <a:effectLst>
                   <a:outerShdw dist="35921" dir="2700000" algn="ctr" rotWithShape="0">
                     <a:schemeClr val="bg2"/>
@@ -18692,14 +18701,14 @@
           <a:effectLst/>
           <a:extLst>
             <a:ext uri="{909E8E84-426E-40DD-AFC4-6F175D3DCCD1}">
-              <a14:hiddenFill xmlns:a14="http://schemas.microsoft.com/office/drawing/2010/main" xmlns="">
+              <a14:hiddenFill xmlns="" xmlns:a14="http://schemas.microsoft.com/office/drawing/2010/main">
                 <a:solidFill>
                   <a:schemeClr val="accent1"/>
                 </a:solidFill>
               </a14:hiddenFill>
             </a:ext>
             <a:ext uri="{91240B29-F687-4F45-9708-019B960494DF}">
-              <a14:hiddenLine xmlns:a14="http://schemas.microsoft.com/office/drawing/2010/main" xmlns="" w="9525">
+              <a14:hiddenLine xmlns="" xmlns:a14="http://schemas.microsoft.com/office/drawing/2010/main" w="9525">
                 <a:solidFill>
                   <a:schemeClr val="tx1"/>
                 </a:solidFill>
@@ -18709,7 +18718,7 @@
               </a14:hiddenLine>
             </a:ext>
             <a:ext uri="{AF507438-7753-43E0-B8FC-AC1667EBCBE1}">
-              <a14:hiddenEffects xmlns:a14="http://schemas.microsoft.com/office/drawing/2010/main" xmlns="">
+              <a14:hiddenEffects xmlns="" xmlns:a14="http://schemas.microsoft.com/office/drawing/2010/main">
                 <a:effectLst>
                   <a:outerShdw dist="35921" dir="2700000" algn="ctr" rotWithShape="0">
                     <a:schemeClr val="bg2"/>
@@ -18755,14 +18764,14 @@
           <a:effectLst/>
           <a:extLst>
             <a:ext uri="{909E8E84-426E-40DD-AFC4-6F175D3DCCD1}">
-              <a14:hiddenFill xmlns:a14="http://schemas.microsoft.com/office/drawing/2010/main" xmlns="">
+              <a14:hiddenFill xmlns="" xmlns:a14="http://schemas.microsoft.com/office/drawing/2010/main">
                 <a:solidFill>
                   <a:schemeClr val="accent1"/>
                 </a:solidFill>
               </a14:hiddenFill>
             </a:ext>
             <a:ext uri="{91240B29-F687-4F45-9708-019B960494DF}">
-              <a14:hiddenLine xmlns:a14="http://schemas.microsoft.com/office/drawing/2010/main" xmlns="" w="9525">
+              <a14:hiddenLine xmlns="" xmlns:a14="http://schemas.microsoft.com/office/drawing/2010/main" w="9525">
                 <a:solidFill>
                   <a:schemeClr val="tx1"/>
                 </a:solidFill>
@@ -18772,7 +18781,7 @@
               </a14:hiddenLine>
             </a:ext>
             <a:ext uri="{AF507438-7753-43E0-B8FC-AC1667EBCBE1}">
-              <a14:hiddenEffects xmlns:a14="http://schemas.microsoft.com/office/drawing/2010/main" xmlns="">
+              <a14:hiddenEffects xmlns="" xmlns:a14="http://schemas.microsoft.com/office/drawing/2010/main">
                 <a:effectLst>
                   <a:outerShdw dist="35921" dir="2700000" algn="ctr" rotWithShape="0">
                     <a:schemeClr val="bg2"/>
@@ -18818,14 +18827,14 @@
           <a:effectLst/>
           <a:extLst>
             <a:ext uri="{909E8E84-426E-40DD-AFC4-6F175D3DCCD1}">
-              <a14:hiddenFill xmlns:a14="http://schemas.microsoft.com/office/drawing/2010/main" xmlns="">
+              <a14:hiddenFill xmlns="" xmlns:a14="http://schemas.microsoft.com/office/drawing/2010/main">
                 <a:solidFill>
                   <a:schemeClr val="accent1"/>
                 </a:solidFill>
               </a14:hiddenFill>
             </a:ext>
             <a:ext uri="{91240B29-F687-4F45-9708-019B960494DF}">
-              <a14:hiddenLine xmlns:a14="http://schemas.microsoft.com/office/drawing/2010/main" xmlns="" w="9525">
+              <a14:hiddenLine xmlns="" xmlns:a14="http://schemas.microsoft.com/office/drawing/2010/main" w="9525">
                 <a:solidFill>
                   <a:schemeClr val="tx1"/>
                 </a:solidFill>
@@ -18835,7 +18844,7 @@
               </a14:hiddenLine>
             </a:ext>
             <a:ext uri="{AF507438-7753-43E0-B8FC-AC1667EBCBE1}">
-              <a14:hiddenEffects xmlns:a14="http://schemas.microsoft.com/office/drawing/2010/main" xmlns="">
+              <a14:hiddenEffects xmlns="" xmlns:a14="http://schemas.microsoft.com/office/drawing/2010/main">
                 <a:effectLst>
                   <a:outerShdw dist="35921" dir="2700000" algn="ctr" rotWithShape="0">
                     <a:schemeClr val="bg2"/>
@@ -18881,14 +18890,14 @@
           <a:effectLst/>
           <a:extLst>
             <a:ext uri="{909E8E84-426E-40DD-AFC4-6F175D3DCCD1}">
-              <a14:hiddenFill xmlns:a14="http://schemas.microsoft.com/office/drawing/2010/main" xmlns="">
+              <a14:hiddenFill xmlns="" xmlns:a14="http://schemas.microsoft.com/office/drawing/2010/main">
                 <a:solidFill>
                   <a:schemeClr val="accent1"/>
                 </a:solidFill>
               </a14:hiddenFill>
             </a:ext>
             <a:ext uri="{91240B29-F687-4F45-9708-019B960494DF}">
-              <a14:hiddenLine xmlns:a14="http://schemas.microsoft.com/office/drawing/2010/main" xmlns="" w="9525">
+              <a14:hiddenLine xmlns="" xmlns:a14="http://schemas.microsoft.com/office/drawing/2010/main" w="9525">
                 <a:solidFill>
                   <a:schemeClr val="tx1"/>
                 </a:solidFill>
@@ -18898,7 +18907,7 @@
               </a14:hiddenLine>
             </a:ext>
             <a:ext uri="{AF507438-7753-43E0-B8FC-AC1667EBCBE1}">
-              <a14:hiddenEffects xmlns:a14="http://schemas.microsoft.com/office/drawing/2010/main" xmlns="">
+              <a14:hiddenEffects xmlns="" xmlns:a14="http://schemas.microsoft.com/office/drawing/2010/main">
                 <a:effectLst>
                   <a:outerShdw dist="35921" dir="2700000" algn="ctr" rotWithShape="0">
                     <a:schemeClr val="bg2"/>
@@ -18944,14 +18953,14 @@
           <a:effectLst/>
           <a:extLst>
             <a:ext uri="{909E8E84-426E-40DD-AFC4-6F175D3DCCD1}">
-              <a14:hiddenFill xmlns:a14="http://schemas.microsoft.com/office/drawing/2010/main" xmlns="">
+              <a14:hiddenFill xmlns="" xmlns:a14="http://schemas.microsoft.com/office/drawing/2010/main">
                 <a:solidFill>
                   <a:schemeClr val="accent1"/>
                 </a:solidFill>
               </a14:hiddenFill>
             </a:ext>
             <a:ext uri="{91240B29-F687-4F45-9708-019B960494DF}">
-              <a14:hiddenLine xmlns:a14="http://schemas.microsoft.com/office/drawing/2010/main" xmlns="" w="9525">
+              <a14:hiddenLine xmlns="" xmlns:a14="http://schemas.microsoft.com/office/drawing/2010/main" w="9525">
                 <a:solidFill>
                   <a:schemeClr val="tx1"/>
                 </a:solidFill>
@@ -18961,7 +18970,7 @@
               </a14:hiddenLine>
             </a:ext>
             <a:ext uri="{AF507438-7753-43E0-B8FC-AC1667EBCBE1}">
-              <a14:hiddenEffects xmlns:a14="http://schemas.microsoft.com/office/drawing/2010/main" xmlns="">
+              <a14:hiddenEffects xmlns="" xmlns:a14="http://schemas.microsoft.com/office/drawing/2010/main">
                 <a:effectLst>
                   <a:outerShdw dist="35921" dir="2700000" algn="ctr" rotWithShape="0">
                     <a:schemeClr val="bg2"/>
@@ -19007,14 +19016,14 @@
           <a:effectLst/>
           <a:extLst>
             <a:ext uri="{909E8E84-426E-40DD-AFC4-6F175D3DCCD1}">
-              <a14:hiddenFill xmlns:a14="http://schemas.microsoft.com/office/drawing/2010/main" xmlns="">
+              <a14:hiddenFill xmlns="" xmlns:a14="http://schemas.microsoft.com/office/drawing/2010/main">
                 <a:solidFill>
                   <a:schemeClr val="accent1"/>
                 </a:solidFill>
               </a14:hiddenFill>
             </a:ext>
             <a:ext uri="{91240B29-F687-4F45-9708-019B960494DF}">
-              <a14:hiddenLine xmlns:a14="http://schemas.microsoft.com/office/drawing/2010/main" xmlns="" w="9525">
+              <a14:hiddenLine xmlns="" xmlns:a14="http://schemas.microsoft.com/office/drawing/2010/main" w="9525">
                 <a:solidFill>
                   <a:schemeClr val="tx1"/>
                 </a:solidFill>
@@ -19024,7 +19033,7 @@
               </a14:hiddenLine>
             </a:ext>
             <a:ext uri="{AF507438-7753-43E0-B8FC-AC1667EBCBE1}">
-              <a14:hiddenEffects xmlns:a14="http://schemas.microsoft.com/office/drawing/2010/main" xmlns="">
+              <a14:hiddenEffects xmlns="" xmlns:a14="http://schemas.microsoft.com/office/drawing/2010/main">
                 <a:effectLst>
                   <a:outerShdw dist="35921" dir="2700000" algn="ctr" rotWithShape="0">
                     <a:schemeClr val="bg2"/>
@@ -19070,14 +19079,14 @@
           <a:effectLst/>
           <a:extLst>
             <a:ext uri="{909E8E84-426E-40DD-AFC4-6F175D3DCCD1}">
-              <a14:hiddenFill xmlns:a14="http://schemas.microsoft.com/office/drawing/2010/main" xmlns="">
+              <a14:hiddenFill xmlns="" xmlns:a14="http://schemas.microsoft.com/office/drawing/2010/main">
                 <a:solidFill>
                   <a:schemeClr val="accent1"/>
                 </a:solidFill>
               </a14:hiddenFill>
             </a:ext>
             <a:ext uri="{91240B29-F687-4F45-9708-019B960494DF}">
-              <a14:hiddenLine xmlns:a14="http://schemas.microsoft.com/office/drawing/2010/main" xmlns="" w="9525">
+              <a14:hiddenLine xmlns="" xmlns:a14="http://schemas.microsoft.com/office/drawing/2010/main" w="9525">
                 <a:solidFill>
                   <a:schemeClr val="tx1"/>
                 </a:solidFill>
@@ -19087,7 +19096,7 @@
               </a14:hiddenLine>
             </a:ext>
             <a:ext uri="{AF507438-7753-43E0-B8FC-AC1667EBCBE1}">
-              <a14:hiddenEffects xmlns:a14="http://schemas.microsoft.com/office/drawing/2010/main" xmlns="">
+              <a14:hiddenEffects xmlns="" xmlns:a14="http://schemas.microsoft.com/office/drawing/2010/main">
                 <a:effectLst>
                   <a:outerShdw dist="35921" dir="2700000" algn="ctr" rotWithShape="0">
                     <a:schemeClr val="bg2"/>
@@ -19175,14 +19184,14 @@
           <a:effectLst/>
           <a:extLst>
             <a:ext uri="{909E8E84-426E-40DD-AFC4-6F175D3DCCD1}">
-              <a14:hiddenFill xmlns:a14="http://schemas.microsoft.com/office/drawing/2010/main" xmlns="">
+              <a14:hiddenFill xmlns="" xmlns:a14="http://schemas.microsoft.com/office/drawing/2010/main">
                 <a:solidFill>
                   <a:schemeClr val="accent1"/>
                 </a:solidFill>
               </a14:hiddenFill>
             </a:ext>
             <a:ext uri="{91240B29-F687-4F45-9708-019B960494DF}">
-              <a14:hiddenLine xmlns:a14="http://schemas.microsoft.com/office/drawing/2010/main" xmlns="" w="9525">
+              <a14:hiddenLine xmlns="" xmlns:a14="http://schemas.microsoft.com/office/drawing/2010/main" w="9525">
                 <a:solidFill>
                   <a:schemeClr val="tx1"/>
                 </a:solidFill>
@@ -19192,7 +19201,7 @@
               </a14:hiddenLine>
             </a:ext>
             <a:ext uri="{AF507438-7753-43E0-B8FC-AC1667EBCBE1}">
-              <a14:hiddenEffects xmlns:a14="http://schemas.microsoft.com/office/drawing/2010/main" xmlns="">
+              <a14:hiddenEffects xmlns="" xmlns:a14="http://schemas.microsoft.com/office/drawing/2010/main">
                 <a:effectLst>
                   <a:outerShdw dist="35921" dir="2700000" algn="ctr" rotWithShape="0">
                     <a:schemeClr val="bg2"/>
@@ -19466,7 +19475,7 @@
           <a:blip r:embed="rId3" cstate="print">
             <a:extLst>
               <a:ext uri="{28A0092B-C50C-407E-A947-70E740481C1C}">
-                <a14:useLocalDpi xmlns:a14="http://schemas.microsoft.com/office/drawing/2010/main" xmlns="" val="0"/>
+                <a14:useLocalDpi xmlns="" xmlns:a14="http://schemas.microsoft.com/office/drawing/2010/main" val="0"/>
               </a:ext>
             </a:extLst>
           </a:blip>
@@ -19496,7 +19505,7 @@
           <a:blip r:embed="rId4" cstate="print">
             <a:extLst>
               <a:ext uri="{28A0092B-C50C-407E-A947-70E740481C1C}">
-                <a14:useLocalDpi xmlns:a14="http://schemas.microsoft.com/office/drawing/2010/main" xmlns="" val="0"/>
+                <a14:useLocalDpi xmlns="" xmlns:a14="http://schemas.microsoft.com/office/drawing/2010/main" val="0"/>
               </a:ext>
             </a:extLst>
           </a:blip>
@@ -19526,7 +19535,7 @@
           <a:blip r:embed="rId5" cstate="print">
             <a:extLst>
               <a:ext uri="{28A0092B-C50C-407E-A947-70E740481C1C}">
-                <a14:useLocalDpi xmlns:a14="http://schemas.microsoft.com/office/drawing/2010/main" xmlns="" val="0"/>
+                <a14:useLocalDpi xmlns="" xmlns:a14="http://schemas.microsoft.com/office/drawing/2010/main" val="0"/>
               </a:ext>
             </a:extLst>
           </a:blip>
@@ -19667,7 +19676,7 @@
             <a:blip r:embed="rId6" cstate="print">
               <a:extLst>
                 <a:ext uri="{28A0092B-C50C-407E-A947-70E740481C1C}">
-                  <a14:useLocalDpi xmlns:a14="http://schemas.microsoft.com/office/drawing/2010/main" xmlns="" val="0"/>
+                  <a14:useLocalDpi xmlns="" xmlns:a14="http://schemas.microsoft.com/office/drawing/2010/main" val="0"/>
                 </a:ext>
               </a:extLst>
             </a:blip>
@@ -19689,7 +19698,7 @@
     </p:spTree>
     <p:extLst>
       <p:ext uri="{BB962C8B-B14F-4D97-AF65-F5344CB8AC3E}">
-        <p14:creationId xmlns:p14="http://schemas.microsoft.com/office/powerpoint/2010/main" xmlns="" val="3764417342"/>
+        <p14:creationId xmlns="" xmlns:p14="http://schemas.microsoft.com/office/powerpoint/2010/main" val="3764417342"/>
       </p:ext>
     </p:extLst>
   </p:cSld>
@@ -19935,14 +19944,14 @@
           <a:effectLst/>
           <a:extLst>
             <a:ext uri="{909E8E84-426E-40DD-AFC4-6F175D3DCCD1}">
-              <a14:hiddenFill xmlns:a14="http://schemas.microsoft.com/office/drawing/2010/main" xmlns="">
+              <a14:hiddenFill xmlns="" xmlns:a14="http://schemas.microsoft.com/office/drawing/2010/main">
                 <a:solidFill>
                   <a:schemeClr val="accent1"/>
                 </a:solidFill>
               </a14:hiddenFill>
             </a:ext>
             <a:ext uri="{91240B29-F687-4F45-9708-019B960494DF}">
-              <a14:hiddenLine xmlns:a14="http://schemas.microsoft.com/office/drawing/2010/main" xmlns="" w="9525">
+              <a14:hiddenLine xmlns="" xmlns:a14="http://schemas.microsoft.com/office/drawing/2010/main" w="9525">
                 <a:solidFill>
                   <a:schemeClr val="tx1"/>
                 </a:solidFill>
@@ -19952,7 +19961,7 @@
               </a14:hiddenLine>
             </a:ext>
             <a:ext uri="{AF507438-7753-43E0-B8FC-AC1667EBCBE1}">
-              <a14:hiddenEffects xmlns:a14="http://schemas.microsoft.com/office/drawing/2010/main" xmlns="">
+              <a14:hiddenEffects xmlns="" xmlns:a14="http://schemas.microsoft.com/office/drawing/2010/main">
                 <a:effectLst>
                   <a:outerShdw dist="35921" dir="2700000" algn="ctr" rotWithShape="0">
                     <a:schemeClr val="bg2"/>
@@ -19999,7 +20008,7 @@
           </a:ln>
           <a:extLst>
             <a:ext uri="{91240B29-F687-4F45-9708-019B960494DF}">
-              <a14:hiddenLine xmlns:a14="http://schemas.microsoft.com/office/drawing/2010/main" xmlns="" w="9525">
+              <a14:hiddenLine xmlns="" xmlns:a14="http://schemas.microsoft.com/office/drawing/2010/main" w="9525">
                 <a:solidFill>
                   <a:srgbClr val="000000"/>
                 </a:solidFill>
@@ -20045,14 +20054,14 @@
           <a:effectLst/>
           <a:extLst>
             <a:ext uri="{909E8E84-426E-40DD-AFC4-6F175D3DCCD1}">
-              <a14:hiddenFill xmlns:a14="http://schemas.microsoft.com/office/drawing/2010/main" xmlns="">
+              <a14:hiddenFill xmlns="" xmlns:a14="http://schemas.microsoft.com/office/drawing/2010/main">
                 <a:solidFill>
                   <a:schemeClr val="accent1"/>
                 </a:solidFill>
               </a14:hiddenFill>
             </a:ext>
             <a:ext uri="{91240B29-F687-4F45-9708-019B960494DF}">
-              <a14:hiddenLine xmlns:a14="http://schemas.microsoft.com/office/drawing/2010/main" xmlns="" w="9525">
+              <a14:hiddenLine xmlns="" xmlns:a14="http://schemas.microsoft.com/office/drawing/2010/main" w="9525">
                 <a:solidFill>
                   <a:schemeClr val="tx1"/>
                 </a:solidFill>
@@ -20062,7 +20071,7 @@
               </a14:hiddenLine>
             </a:ext>
             <a:ext uri="{AF507438-7753-43E0-B8FC-AC1667EBCBE1}">
-              <a14:hiddenEffects xmlns:a14="http://schemas.microsoft.com/office/drawing/2010/main" xmlns="">
+              <a14:hiddenEffects xmlns="" xmlns:a14="http://schemas.microsoft.com/office/drawing/2010/main">
                 <a:effectLst>
                   <a:outerShdw dist="35921" dir="2700000" algn="ctr" rotWithShape="0">
                     <a:schemeClr val="bg2"/>
@@ -20107,14 +20116,14 @@
           </a:ln>
           <a:extLst>
             <a:ext uri="{909E8E84-426E-40DD-AFC4-6F175D3DCCD1}">
-              <a14:hiddenFill xmlns:a14="http://schemas.microsoft.com/office/drawing/2010/main" xmlns="">
+              <a14:hiddenFill xmlns="" xmlns:a14="http://schemas.microsoft.com/office/drawing/2010/main">
                 <a:solidFill>
                   <a:srgbClr val="FFFFFF"/>
                 </a:solidFill>
               </a14:hiddenFill>
             </a:ext>
             <a:ext uri="{91240B29-F687-4F45-9708-019B960494DF}">
-              <a14:hiddenLine xmlns:a14="http://schemas.microsoft.com/office/drawing/2010/main" xmlns="" w="9525">
+              <a14:hiddenLine xmlns="" xmlns:a14="http://schemas.microsoft.com/office/drawing/2010/main" w="9525">
                 <a:solidFill>
                   <a:srgbClr val="000000"/>
                 </a:solidFill>
@@ -20336,7 +20345,7 @@
           <a:blip r:embed="rId3" cstate="print">
             <a:extLst>
               <a:ext uri="{28A0092B-C50C-407E-A947-70E740481C1C}">
-                <a14:useLocalDpi xmlns:a14="http://schemas.microsoft.com/office/drawing/2010/main" xmlns="" val="0"/>
+                <a14:useLocalDpi xmlns="" xmlns:a14="http://schemas.microsoft.com/office/drawing/2010/main" val="0"/>
               </a:ext>
             </a:extLst>
           </a:blip>
@@ -20429,7 +20438,7 @@
             <a:blip r:embed="rId4" cstate="print">
               <a:extLst>
                 <a:ext uri="{28A0092B-C50C-407E-A947-70E740481C1C}">
-                  <a14:useLocalDpi xmlns:a14="http://schemas.microsoft.com/office/drawing/2010/main" xmlns="" val="0"/>
+                  <a14:useLocalDpi xmlns="" xmlns:a14="http://schemas.microsoft.com/office/drawing/2010/main" val="0"/>
                 </a:ext>
               </a:extLst>
             </a:blip>
@@ -20451,7 +20460,7 @@
     </p:spTree>
     <p:extLst>
       <p:ext uri="{BB962C8B-B14F-4D97-AF65-F5344CB8AC3E}">
-        <p14:creationId xmlns:p14="http://schemas.microsoft.com/office/powerpoint/2010/main" xmlns="" val="2095033392"/>
+        <p14:creationId xmlns="" xmlns:p14="http://schemas.microsoft.com/office/powerpoint/2010/main" val="2095033392"/>
       </p:ext>
     </p:extLst>
   </p:cSld>
@@ -20805,7 +20814,7 @@
           <a:blip r:embed="rId3" cstate="print">
             <a:extLst>
               <a:ext uri="{28A0092B-C50C-407E-A947-70E740481C1C}">
-                <a14:useLocalDpi xmlns:a14="http://schemas.microsoft.com/office/drawing/2010/main" xmlns="" val="0"/>
+                <a14:useLocalDpi xmlns="" xmlns:a14="http://schemas.microsoft.com/office/drawing/2010/main" val="0"/>
               </a:ext>
             </a:extLst>
           </a:blip>
@@ -21167,7 +21176,7 @@
           <a:blip r:embed="rId4" cstate="print">
             <a:extLst>
               <a:ext uri="{28A0092B-C50C-407E-A947-70E740481C1C}">
-                <a14:useLocalDpi xmlns:a14="http://schemas.microsoft.com/office/drawing/2010/main" xmlns="" val="0"/>
+                <a14:useLocalDpi xmlns="" xmlns:a14="http://schemas.microsoft.com/office/drawing/2010/main" val="0"/>
               </a:ext>
             </a:extLst>
           </a:blip>
@@ -21187,7 +21196,7 @@
           <a:noFill/>
           <a:extLst>
             <a:ext uri="{909E8E84-426E-40DD-AFC4-6F175D3DCCD1}">
-              <a14:hiddenFill xmlns:a14="http://schemas.microsoft.com/office/drawing/2010/main" xmlns="">
+              <a14:hiddenFill xmlns="" xmlns:a14="http://schemas.microsoft.com/office/drawing/2010/main">
                 <a:solidFill>
                   <a:srgbClr val="FFFFFF"/>
                 </a:solidFill>
@@ -21208,7 +21217,7 @@
           <a:blip r:embed="rId5" cstate="print">
             <a:extLst>
               <a:ext uri="{28A0092B-C50C-407E-A947-70E740481C1C}">
-                <a14:useLocalDpi xmlns:a14="http://schemas.microsoft.com/office/drawing/2010/main" xmlns="" val="0"/>
+                <a14:useLocalDpi xmlns="" xmlns:a14="http://schemas.microsoft.com/office/drawing/2010/main" val="0"/>
               </a:ext>
             </a:extLst>
           </a:blip>
@@ -21399,7 +21408,7 @@
             <a:blip r:embed="rId6" cstate="print">
               <a:extLst>
                 <a:ext uri="{28A0092B-C50C-407E-A947-70E740481C1C}">
-                  <a14:useLocalDpi xmlns:a14="http://schemas.microsoft.com/office/drawing/2010/main" xmlns="" val="0"/>
+                  <a14:useLocalDpi xmlns="" xmlns:a14="http://schemas.microsoft.com/office/drawing/2010/main" val="0"/>
                 </a:ext>
               </a:extLst>
             </a:blip>
@@ -21627,14 +21636,14 @@
           <a:effectLst/>
           <a:extLst>
             <a:ext uri="{909E8E84-426E-40DD-AFC4-6F175D3DCCD1}">
-              <a14:hiddenFill xmlns:a14="http://schemas.microsoft.com/office/drawing/2010/main" xmlns="">
+              <a14:hiddenFill xmlns="" xmlns:a14="http://schemas.microsoft.com/office/drawing/2010/main">
                 <a:solidFill>
                   <a:schemeClr val="accent1"/>
                 </a:solidFill>
               </a14:hiddenFill>
             </a:ext>
             <a:ext uri="{91240B29-F687-4F45-9708-019B960494DF}">
-              <a14:hiddenLine xmlns:a14="http://schemas.microsoft.com/office/drawing/2010/main" xmlns="" w="9525">
+              <a14:hiddenLine xmlns="" xmlns:a14="http://schemas.microsoft.com/office/drawing/2010/main" w="9525">
                 <a:solidFill>
                   <a:schemeClr val="tx1"/>
                 </a:solidFill>
@@ -21644,7 +21653,7 @@
               </a14:hiddenLine>
             </a:ext>
             <a:ext uri="{AF507438-7753-43E0-B8FC-AC1667EBCBE1}">
-              <a14:hiddenEffects xmlns:a14="http://schemas.microsoft.com/office/drawing/2010/main" xmlns="">
+              <a14:hiddenEffects xmlns="" xmlns:a14="http://schemas.microsoft.com/office/drawing/2010/main">
                 <a:effectLst>
                   <a:outerShdw dist="35921" dir="2700000" algn="ctr" rotWithShape="0">
                     <a:schemeClr val="bg2"/>
@@ -21690,14 +21699,14 @@
           <a:effectLst/>
           <a:extLst>
             <a:ext uri="{909E8E84-426E-40DD-AFC4-6F175D3DCCD1}">
-              <a14:hiddenFill xmlns:a14="http://schemas.microsoft.com/office/drawing/2010/main" xmlns="">
+              <a14:hiddenFill xmlns="" xmlns:a14="http://schemas.microsoft.com/office/drawing/2010/main">
                 <a:solidFill>
                   <a:schemeClr val="accent1"/>
                 </a:solidFill>
               </a14:hiddenFill>
             </a:ext>
             <a:ext uri="{91240B29-F687-4F45-9708-019B960494DF}">
-              <a14:hiddenLine xmlns:a14="http://schemas.microsoft.com/office/drawing/2010/main" xmlns="" w="9525">
+              <a14:hiddenLine xmlns="" xmlns:a14="http://schemas.microsoft.com/office/drawing/2010/main" w="9525">
                 <a:solidFill>
                   <a:schemeClr val="tx1"/>
                 </a:solidFill>
@@ -21707,7 +21716,7 @@
               </a14:hiddenLine>
             </a:ext>
             <a:ext uri="{AF507438-7753-43E0-B8FC-AC1667EBCBE1}">
-              <a14:hiddenEffects xmlns:a14="http://schemas.microsoft.com/office/drawing/2010/main" xmlns="">
+              <a14:hiddenEffects xmlns="" xmlns:a14="http://schemas.microsoft.com/office/drawing/2010/main">
                 <a:effectLst>
                   <a:outerShdw dist="35921" dir="2700000" algn="ctr" rotWithShape="0">
                     <a:schemeClr val="bg2"/>
@@ -21923,7 +21932,7 @@
             <a:blip r:embed="rId4" cstate="print">
               <a:extLst>
                 <a:ext uri="{28A0092B-C50C-407E-A947-70E740481C1C}">
-                  <a14:useLocalDpi xmlns:a14="http://schemas.microsoft.com/office/drawing/2010/main" xmlns="" val="0"/>
+                  <a14:useLocalDpi xmlns="" xmlns:a14="http://schemas.microsoft.com/office/drawing/2010/main" val="0"/>
                 </a:ext>
               </a:extLst>
             </a:blip>
@@ -21945,7 +21954,7 @@
     </p:spTree>
     <p:extLst>
       <p:ext uri="{BB962C8B-B14F-4D97-AF65-F5344CB8AC3E}">
-        <p14:creationId xmlns:p14="http://schemas.microsoft.com/office/powerpoint/2010/main" xmlns="" val="401370702"/>
+        <p14:creationId xmlns="" xmlns:p14="http://schemas.microsoft.com/office/powerpoint/2010/main" val="401370702"/>
       </p:ext>
     </p:extLst>
   </p:cSld>
@@ -22156,14 +22165,14 @@
           <a:effectLst/>
           <a:extLst>
             <a:ext uri="{909E8E84-426E-40DD-AFC4-6F175D3DCCD1}">
-              <a14:hiddenFill xmlns:a14="http://schemas.microsoft.com/office/drawing/2010/main" xmlns="">
+              <a14:hiddenFill xmlns="" xmlns:a14="http://schemas.microsoft.com/office/drawing/2010/main">
                 <a:solidFill>
                   <a:schemeClr val="accent1"/>
                 </a:solidFill>
               </a14:hiddenFill>
             </a:ext>
             <a:ext uri="{91240B29-F687-4F45-9708-019B960494DF}">
-              <a14:hiddenLine xmlns:a14="http://schemas.microsoft.com/office/drawing/2010/main" xmlns="" w="9525">
+              <a14:hiddenLine xmlns="" xmlns:a14="http://schemas.microsoft.com/office/drawing/2010/main" w="9525">
                 <a:solidFill>
                   <a:schemeClr val="tx1"/>
                 </a:solidFill>
@@ -22173,7 +22182,7 @@
               </a14:hiddenLine>
             </a:ext>
             <a:ext uri="{AF507438-7753-43E0-B8FC-AC1667EBCBE1}">
-              <a14:hiddenEffects xmlns:a14="http://schemas.microsoft.com/office/drawing/2010/main" xmlns="">
+              <a14:hiddenEffects xmlns="" xmlns:a14="http://schemas.microsoft.com/office/drawing/2010/main">
                 <a:effectLst>
                   <a:outerShdw dist="35921" dir="2700000" algn="ctr" rotWithShape="0">
                     <a:schemeClr val="bg2"/>
@@ -22219,14 +22228,14 @@
           <a:effectLst/>
           <a:extLst>
             <a:ext uri="{909E8E84-426E-40DD-AFC4-6F175D3DCCD1}">
-              <a14:hiddenFill xmlns:a14="http://schemas.microsoft.com/office/drawing/2010/main" xmlns="">
+              <a14:hiddenFill xmlns="" xmlns:a14="http://schemas.microsoft.com/office/drawing/2010/main">
                 <a:solidFill>
                   <a:schemeClr val="accent1"/>
                 </a:solidFill>
               </a14:hiddenFill>
             </a:ext>
             <a:ext uri="{91240B29-F687-4F45-9708-019B960494DF}">
-              <a14:hiddenLine xmlns:a14="http://schemas.microsoft.com/office/drawing/2010/main" xmlns="" w="9525">
+              <a14:hiddenLine xmlns="" xmlns:a14="http://schemas.microsoft.com/office/drawing/2010/main" w="9525">
                 <a:solidFill>
                   <a:schemeClr val="tx1"/>
                 </a:solidFill>
@@ -22236,7 +22245,7 @@
               </a14:hiddenLine>
             </a:ext>
             <a:ext uri="{AF507438-7753-43E0-B8FC-AC1667EBCBE1}">
-              <a14:hiddenEffects xmlns:a14="http://schemas.microsoft.com/office/drawing/2010/main" xmlns="">
+              <a14:hiddenEffects xmlns="" xmlns:a14="http://schemas.microsoft.com/office/drawing/2010/main">
                 <a:effectLst>
                   <a:outerShdw dist="35921" dir="2700000" algn="ctr" rotWithShape="0">
                     <a:schemeClr val="bg2"/>
@@ -22357,7 +22366,7 @@
           <a:blip r:embed="rId3" cstate="print">
             <a:extLst>
               <a:ext uri="{28A0092B-C50C-407E-A947-70E740481C1C}">
-                <a14:useLocalDpi xmlns:a14="http://schemas.microsoft.com/office/drawing/2010/main" xmlns="" val="0"/>
+                <a14:useLocalDpi xmlns="" xmlns:a14="http://schemas.microsoft.com/office/drawing/2010/main" val="0"/>
               </a:ext>
             </a:extLst>
           </a:blip>
@@ -22402,7 +22411,7 @@
           </a:ln>
           <a:extLst>
             <a:ext uri="{909E8E84-426E-40DD-AFC4-6F175D3DCCD1}">
-              <a14:hiddenFill xmlns:a14="http://schemas.microsoft.com/office/drawing/2010/main" xmlns="">
+              <a14:hiddenFill xmlns="" xmlns:a14="http://schemas.microsoft.com/office/drawing/2010/main">
                 <a:noFill/>
               </a14:hiddenFill>
             </a:ext>
@@ -22636,14 +22645,14 @@
           <a:effectLst/>
           <a:extLst>
             <a:ext uri="{909E8E84-426E-40DD-AFC4-6F175D3DCCD1}">
-              <a14:hiddenFill xmlns:a14="http://schemas.microsoft.com/office/drawing/2010/main" xmlns="">
+              <a14:hiddenFill xmlns="" xmlns:a14="http://schemas.microsoft.com/office/drawing/2010/main">
                 <a:solidFill>
                   <a:schemeClr val="accent1"/>
                 </a:solidFill>
               </a14:hiddenFill>
             </a:ext>
             <a:ext uri="{91240B29-F687-4F45-9708-019B960494DF}">
-              <a14:hiddenLine xmlns:a14="http://schemas.microsoft.com/office/drawing/2010/main" xmlns="" w="9525">
+              <a14:hiddenLine xmlns="" xmlns:a14="http://schemas.microsoft.com/office/drawing/2010/main" w="9525">
                 <a:solidFill>
                   <a:schemeClr val="tx1"/>
                 </a:solidFill>
@@ -22653,7 +22662,7 @@
               </a14:hiddenLine>
             </a:ext>
             <a:ext uri="{AF507438-7753-43E0-B8FC-AC1667EBCBE1}">
-              <a14:hiddenEffects xmlns:a14="http://schemas.microsoft.com/office/drawing/2010/main" xmlns="">
+              <a14:hiddenEffects xmlns="" xmlns:a14="http://schemas.microsoft.com/office/drawing/2010/main">
                 <a:effectLst>
                   <a:outerShdw dist="35921" dir="2700000" algn="ctr" rotWithShape="0">
                     <a:schemeClr val="bg2"/>
@@ -22703,7 +22712,7 @@
           </a:ln>
           <a:extLst>
             <a:ext uri="{909E8E84-426E-40DD-AFC4-6F175D3DCCD1}">
-              <a14:hiddenFill xmlns:a14="http://schemas.microsoft.com/office/drawing/2010/main" xmlns="">
+              <a14:hiddenFill xmlns="" xmlns:a14="http://schemas.microsoft.com/office/drawing/2010/main">
                 <a:noFill/>
               </a14:hiddenFill>
             </a:ext>
@@ -22744,14 +22753,14 @@
           <a:effectLst/>
           <a:extLst>
             <a:ext uri="{909E8E84-426E-40DD-AFC4-6F175D3DCCD1}">
-              <a14:hiddenFill xmlns:a14="http://schemas.microsoft.com/office/drawing/2010/main" xmlns="">
+              <a14:hiddenFill xmlns="" xmlns:a14="http://schemas.microsoft.com/office/drawing/2010/main">
                 <a:solidFill>
                   <a:schemeClr val="accent1"/>
                 </a:solidFill>
               </a14:hiddenFill>
             </a:ext>
             <a:ext uri="{91240B29-F687-4F45-9708-019B960494DF}">
-              <a14:hiddenLine xmlns:a14="http://schemas.microsoft.com/office/drawing/2010/main" xmlns="" w="9525">
+              <a14:hiddenLine xmlns="" xmlns:a14="http://schemas.microsoft.com/office/drawing/2010/main" w="9525">
                 <a:solidFill>
                   <a:schemeClr val="tx1"/>
                 </a:solidFill>
@@ -22761,7 +22770,7 @@
               </a14:hiddenLine>
             </a:ext>
             <a:ext uri="{AF507438-7753-43E0-B8FC-AC1667EBCBE1}">
-              <a14:hiddenEffects xmlns:a14="http://schemas.microsoft.com/office/drawing/2010/main" xmlns="">
+              <a14:hiddenEffects xmlns="" xmlns:a14="http://schemas.microsoft.com/office/drawing/2010/main">
                 <a:effectLst>
                   <a:outerShdw dist="35921" dir="2700000" algn="ctr" rotWithShape="0">
                     <a:schemeClr val="bg2"/>
@@ -23017,7 +23026,7 @@
             <a:blip r:embed="rId4" cstate="print">
               <a:extLst>
                 <a:ext uri="{28A0092B-C50C-407E-A947-70E740481C1C}">
-                  <a14:useLocalDpi xmlns:a14="http://schemas.microsoft.com/office/drawing/2010/main" xmlns="" val="0"/>
+                  <a14:useLocalDpi xmlns="" xmlns:a14="http://schemas.microsoft.com/office/drawing/2010/main" val="0"/>
                 </a:ext>
               </a:extLst>
             </a:blip>
@@ -23039,7 +23048,7 @@
     </p:spTree>
     <p:extLst>
       <p:ext uri="{BB962C8B-B14F-4D97-AF65-F5344CB8AC3E}">
-        <p14:creationId xmlns:p14="http://schemas.microsoft.com/office/powerpoint/2010/main" xmlns="" val="1881567250"/>
+        <p14:creationId xmlns="" xmlns:p14="http://schemas.microsoft.com/office/powerpoint/2010/main" val="1881567250"/>
       </p:ext>
     </p:extLst>
   </p:cSld>
@@ -23250,14 +23259,14 @@
           <a:effectLst/>
           <a:extLst>
             <a:ext uri="{909E8E84-426E-40DD-AFC4-6F175D3DCCD1}">
-              <a14:hiddenFill xmlns:a14="http://schemas.microsoft.com/office/drawing/2010/main" xmlns="">
+              <a14:hiddenFill xmlns="" xmlns:a14="http://schemas.microsoft.com/office/drawing/2010/main">
                 <a:solidFill>
                   <a:schemeClr val="accent1"/>
                 </a:solidFill>
               </a14:hiddenFill>
             </a:ext>
             <a:ext uri="{91240B29-F687-4F45-9708-019B960494DF}">
-              <a14:hiddenLine xmlns:a14="http://schemas.microsoft.com/office/drawing/2010/main" xmlns="" w="9525">
+              <a14:hiddenLine xmlns="" xmlns:a14="http://schemas.microsoft.com/office/drawing/2010/main" w="9525">
                 <a:solidFill>
                   <a:schemeClr val="tx1"/>
                 </a:solidFill>
@@ -23267,7 +23276,7 @@
               </a14:hiddenLine>
             </a:ext>
             <a:ext uri="{AF507438-7753-43E0-B8FC-AC1667EBCBE1}">
-              <a14:hiddenEffects xmlns:a14="http://schemas.microsoft.com/office/drawing/2010/main" xmlns="">
+              <a14:hiddenEffects xmlns="" xmlns:a14="http://schemas.microsoft.com/office/drawing/2010/main">
                 <a:effectLst>
                   <a:outerShdw dist="35921" dir="2700000" algn="ctr" rotWithShape="0">
                     <a:schemeClr val="bg2"/>
@@ -23313,14 +23322,14 @@
           <a:effectLst/>
           <a:extLst>
             <a:ext uri="{909E8E84-426E-40DD-AFC4-6F175D3DCCD1}">
-              <a14:hiddenFill xmlns:a14="http://schemas.microsoft.com/office/drawing/2010/main" xmlns="">
+              <a14:hiddenFill xmlns="" xmlns:a14="http://schemas.microsoft.com/office/drawing/2010/main">
                 <a:solidFill>
                   <a:schemeClr val="accent1"/>
                 </a:solidFill>
               </a14:hiddenFill>
             </a:ext>
             <a:ext uri="{91240B29-F687-4F45-9708-019B960494DF}">
-              <a14:hiddenLine xmlns:a14="http://schemas.microsoft.com/office/drawing/2010/main" xmlns="" w="9525">
+              <a14:hiddenLine xmlns="" xmlns:a14="http://schemas.microsoft.com/office/drawing/2010/main" w="9525">
                 <a:solidFill>
                   <a:schemeClr val="tx1"/>
                 </a:solidFill>
@@ -23330,7 +23339,7 @@
               </a14:hiddenLine>
             </a:ext>
             <a:ext uri="{AF507438-7753-43E0-B8FC-AC1667EBCBE1}">
-              <a14:hiddenEffects xmlns:a14="http://schemas.microsoft.com/office/drawing/2010/main" xmlns="">
+              <a14:hiddenEffects xmlns="" xmlns:a14="http://schemas.microsoft.com/office/drawing/2010/main">
                 <a:effectLst>
                   <a:outerShdw dist="35921" dir="2700000" algn="ctr" rotWithShape="0">
                     <a:schemeClr val="bg2"/>
@@ -23462,14 +23471,14 @@
           <a:effectLst/>
           <a:extLst>
             <a:ext uri="{909E8E84-426E-40DD-AFC4-6F175D3DCCD1}">
-              <a14:hiddenFill xmlns:a14="http://schemas.microsoft.com/office/drawing/2010/main" xmlns="">
+              <a14:hiddenFill xmlns="" xmlns:a14="http://schemas.microsoft.com/office/drawing/2010/main">
                 <a:solidFill>
                   <a:schemeClr val="accent1"/>
                 </a:solidFill>
               </a14:hiddenFill>
             </a:ext>
             <a:ext uri="{91240B29-F687-4F45-9708-019B960494DF}">
-              <a14:hiddenLine xmlns:a14="http://schemas.microsoft.com/office/drawing/2010/main" xmlns="" w="9525">
+              <a14:hiddenLine xmlns="" xmlns:a14="http://schemas.microsoft.com/office/drawing/2010/main" w="9525">
                 <a:solidFill>
                   <a:schemeClr val="tx1"/>
                 </a:solidFill>
@@ -23479,7 +23488,7 @@
               </a14:hiddenLine>
             </a:ext>
             <a:ext uri="{AF507438-7753-43E0-B8FC-AC1667EBCBE1}">
-              <a14:hiddenEffects xmlns:a14="http://schemas.microsoft.com/office/drawing/2010/main" xmlns="">
+              <a14:hiddenEffects xmlns="" xmlns:a14="http://schemas.microsoft.com/office/drawing/2010/main">
                 <a:effectLst>
                   <a:outerShdw dist="35921" dir="2700000" algn="ctr" rotWithShape="0">
                     <a:schemeClr val="bg2"/>
@@ -23525,14 +23534,14 @@
           <a:effectLst/>
           <a:extLst>
             <a:ext uri="{909E8E84-426E-40DD-AFC4-6F175D3DCCD1}">
-              <a14:hiddenFill xmlns:a14="http://schemas.microsoft.com/office/drawing/2010/main" xmlns="">
+              <a14:hiddenFill xmlns="" xmlns:a14="http://schemas.microsoft.com/office/drawing/2010/main">
                 <a:solidFill>
                   <a:schemeClr val="accent1"/>
                 </a:solidFill>
               </a14:hiddenFill>
             </a:ext>
             <a:ext uri="{91240B29-F687-4F45-9708-019B960494DF}">
-              <a14:hiddenLine xmlns:a14="http://schemas.microsoft.com/office/drawing/2010/main" xmlns="" w="9525">
+              <a14:hiddenLine xmlns="" xmlns:a14="http://schemas.microsoft.com/office/drawing/2010/main" w="9525">
                 <a:solidFill>
                   <a:schemeClr val="tx1"/>
                 </a:solidFill>
@@ -23542,7 +23551,7 @@
               </a14:hiddenLine>
             </a:ext>
             <a:ext uri="{AF507438-7753-43E0-B8FC-AC1667EBCBE1}">
-              <a14:hiddenEffects xmlns:a14="http://schemas.microsoft.com/office/drawing/2010/main" xmlns="">
+              <a14:hiddenEffects xmlns="" xmlns:a14="http://schemas.microsoft.com/office/drawing/2010/main">
                 <a:effectLst>
                   <a:outerShdw dist="35921" dir="2700000" algn="ctr" rotWithShape="0">
                     <a:schemeClr val="bg2"/>
@@ -23588,14 +23597,14 @@
           <a:effectLst/>
           <a:extLst>
             <a:ext uri="{909E8E84-426E-40DD-AFC4-6F175D3DCCD1}">
-              <a14:hiddenFill xmlns:a14="http://schemas.microsoft.com/office/drawing/2010/main" xmlns="">
+              <a14:hiddenFill xmlns="" xmlns:a14="http://schemas.microsoft.com/office/drawing/2010/main">
                 <a:solidFill>
                   <a:schemeClr val="accent1"/>
                 </a:solidFill>
               </a14:hiddenFill>
             </a:ext>
             <a:ext uri="{91240B29-F687-4F45-9708-019B960494DF}">
-              <a14:hiddenLine xmlns:a14="http://schemas.microsoft.com/office/drawing/2010/main" xmlns="" w="9525">
+              <a14:hiddenLine xmlns="" xmlns:a14="http://schemas.microsoft.com/office/drawing/2010/main" w="9525">
                 <a:solidFill>
                   <a:schemeClr val="tx1"/>
                 </a:solidFill>
@@ -23605,7 +23614,7 @@
               </a14:hiddenLine>
             </a:ext>
             <a:ext uri="{AF507438-7753-43E0-B8FC-AC1667EBCBE1}">
-              <a14:hiddenEffects xmlns:a14="http://schemas.microsoft.com/office/drawing/2010/main" xmlns="">
+              <a14:hiddenEffects xmlns="" xmlns:a14="http://schemas.microsoft.com/office/drawing/2010/main">
                 <a:effectLst>
                   <a:outerShdw dist="35921" dir="2700000" algn="ctr" rotWithShape="0">
                     <a:schemeClr val="bg2"/>
@@ -23651,14 +23660,14 @@
           <a:effectLst/>
           <a:extLst>
             <a:ext uri="{909E8E84-426E-40DD-AFC4-6F175D3DCCD1}">
-              <a14:hiddenFill xmlns:a14="http://schemas.microsoft.com/office/drawing/2010/main" xmlns="">
+              <a14:hiddenFill xmlns="" xmlns:a14="http://schemas.microsoft.com/office/drawing/2010/main">
                 <a:solidFill>
                   <a:schemeClr val="accent1"/>
                 </a:solidFill>
               </a14:hiddenFill>
             </a:ext>
             <a:ext uri="{91240B29-F687-4F45-9708-019B960494DF}">
-              <a14:hiddenLine xmlns:a14="http://schemas.microsoft.com/office/drawing/2010/main" xmlns="" w="9525">
+              <a14:hiddenLine xmlns="" xmlns:a14="http://schemas.microsoft.com/office/drawing/2010/main" w="9525">
                 <a:solidFill>
                   <a:schemeClr val="tx1"/>
                 </a:solidFill>
@@ -23668,7 +23677,7 @@
               </a14:hiddenLine>
             </a:ext>
             <a:ext uri="{AF507438-7753-43E0-B8FC-AC1667EBCBE1}">
-              <a14:hiddenEffects xmlns:a14="http://schemas.microsoft.com/office/drawing/2010/main" xmlns="">
+              <a14:hiddenEffects xmlns="" xmlns:a14="http://schemas.microsoft.com/office/drawing/2010/main">
                 <a:effectLst>
                   <a:outerShdw dist="35921" dir="2700000" algn="ctr" rotWithShape="0">
                     <a:schemeClr val="bg2"/>
@@ -23714,14 +23723,14 @@
           <a:effectLst/>
           <a:extLst>
             <a:ext uri="{909E8E84-426E-40DD-AFC4-6F175D3DCCD1}">
-              <a14:hiddenFill xmlns:a14="http://schemas.microsoft.com/office/drawing/2010/main" xmlns="">
+              <a14:hiddenFill xmlns="" xmlns:a14="http://schemas.microsoft.com/office/drawing/2010/main">
                 <a:solidFill>
                   <a:schemeClr val="accent1"/>
                 </a:solidFill>
               </a14:hiddenFill>
             </a:ext>
             <a:ext uri="{91240B29-F687-4F45-9708-019B960494DF}">
-              <a14:hiddenLine xmlns:a14="http://schemas.microsoft.com/office/drawing/2010/main" xmlns="" w="9525">
+              <a14:hiddenLine xmlns="" xmlns:a14="http://schemas.microsoft.com/office/drawing/2010/main" w="9525">
                 <a:solidFill>
                   <a:schemeClr val="tx1"/>
                 </a:solidFill>
@@ -23731,7 +23740,7 @@
               </a14:hiddenLine>
             </a:ext>
             <a:ext uri="{AF507438-7753-43E0-B8FC-AC1667EBCBE1}">
-              <a14:hiddenEffects xmlns:a14="http://schemas.microsoft.com/office/drawing/2010/main" xmlns="">
+              <a14:hiddenEffects xmlns="" xmlns:a14="http://schemas.microsoft.com/office/drawing/2010/main">
                 <a:effectLst>
                   <a:outerShdw dist="35921" dir="2700000" algn="ctr" rotWithShape="0">
                     <a:schemeClr val="bg2"/>
@@ -23777,14 +23786,14 @@
           <a:effectLst/>
           <a:extLst>
             <a:ext uri="{909E8E84-426E-40DD-AFC4-6F175D3DCCD1}">
-              <a14:hiddenFill xmlns:a14="http://schemas.microsoft.com/office/drawing/2010/main" xmlns="">
+              <a14:hiddenFill xmlns="" xmlns:a14="http://schemas.microsoft.com/office/drawing/2010/main">
                 <a:solidFill>
                   <a:schemeClr val="accent1"/>
                 </a:solidFill>
               </a14:hiddenFill>
             </a:ext>
             <a:ext uri="{91240B29-F687-4F45-9708-019B960494DF}">
-              <a14:hiddenLine xmlns:a14="http://schemas.microsoft.com/office/drawing/2010/main" xmlns="" w="9525">
+              <a14:hiddenLine xmlns="" xmlns:a14="http://schemas.microsoft.com/office/drawing/2010/main" w="9525">
                 <a:solidFill>
                   <a:schemeClr val="tx1"/>
                 </a:solidFill>
@@ -23794,7 +23803,7 @@
               </a14:hiddenLine>
             </a:ext>
             <a:ext uri="{AF507438-7753-43E0-B8FC-AC1667EBCBE1}">
-              <a14:hiddenEffects xmlns:a14="http://schemas.microsoft.com/office/drawing/2010/main" xmlns="">
+              <a14:hiddenEffects xmlns="" xmlns:a14="http://schemas.microsoft.com/office/drawing/2010/main">
                 <a:effectLst>
                   <a:outerShdw dist="35921" dir="2700000" algn="ctr" rotWithShape="0">
                     <a:schemeClr val="bg2"/>
@@ -23840,14 +23849,14 @@
           <a:effectLst/>
           <a:extLst>
             <a:ext uri="{909E8E84-426E-40DD-AFC4-6F175D3DCCD1}">
-              <a14:hiddenFill xmlns:a14="http://schemas.microsoft.com/office/drawing/2010/main" xmlns="">
+              <a14:hiddenFill xmlns="" xmlns:a14="http://schemas.microsoft.com/office/drawing/2010/main">
                 <a:solidFill>
                   <a:schemeClr val="accent1"/>
                 </a:solidFill>
               </a14:hiddenFill>
             </a:ext>
             <a:ext uri="{91240B29-F687-4F45-9708-019B960494DF}">
-              <a14:hiddenLine xmlns:a14="http://schemas.microsoft.com/office/drawing/2010/main" xmlns="" w="9525">
+              <a14:hiddenLine xmlns="" xmlns:a14="http://schemas.microsoft.com/office/drawing/2010/main" w="9525">
                 <a:solidFill>
                   <a:schemeClr val="tx1"/>
                 </a:solidFill>
@@ -23857,7 +23866,7 @@
               </a14:hiddenLine>
             </a:ext>
             <a:ext uri="{AF507438-7753-43E0-B8FC-AC1667EBCBE1}">
-              <a14:hiddenEffects xmlns:a14="http://schemas.microsoft.com/office/drawing/2010/main" xmlns="">
+              <a14:hiddenEffects xmlns="" xmlns:a14="http://schemas.microsoft.com/office/drawing/2010/main">
                 <a:effectLst>
                   <a:outerShdw dist="35921" dir="2700000" algn="ctr" rotWithShape="0">
                     <a:schemeClr val="bg2"/>
@@ -23892,7 +23901,7 @@
           <a:blip r:embed="rId3" cstate="print">
             <a:extLst>
               <a:ext uri="{28A0092B-C50C-407E-A947-70E740481C1C}">
-                <a14:useLocalDpi xmlns:a14="http://schemas.microsoft.com/office/drawing/2010/main" xmlns="" val="0"/>
+                <a14:useLocalDpi xmlns="" xmlns:a14="http://schemas.microsoft.com/office/drawing/2010/main" val="0"/>
               </a:ext>
             </a:extLst>
           </a:blip>
@@ -23937,7 +23946,7 @@
           </a:ln>
           <a:extLst>
             <a:ext uri="{909E8E84-426E-40DD-AFC4-6F175D3DCCD1}">
-              <a14:hiddenFill xmlns:a14="http://schemas.microsoft.com/office/drawing/2010/main" xmlns="">
+              <a14:hiddenFill xmlns="" xmlns:a14="http://schemas.microsoft.com/office/drawing/2010/main">
                 <a:noFill/>
               </a14:hiddenFill>
             </a:ext>
@@ -24173,7 +24182,7 @@
           </a:ln>
           <a:extLst>
             <a:ext uri="{909E8E84-426E-40DD-AFC4-6F175D3DCCD1}">
-              <a14:hiddenFill xmlns:a14="http://schemas.microsoft.com/office/drawing/2010/main" xmlns="">
+              <a14:hiddenFill xmlns="" xmlns:a14="http://schemas.microsoft.com/office/drawing/2010/main">
                 <a:noFill/>
               </a14:hiddenFill>
             </a:ext>
@@ -24469,7 +24478,7 @@
           </a:ln>
           <a:extLst>
             <a:ext uri="{909E8E84-426E-40DD-AFC4-6F175D3DCCD1}">
-              <a14:hiddenFill xmlns:a14="http://schemas.microsoft.com/office/drawing/2010/main" xmlns="">
+              <a14:hiddenFill xmlns="" xmlns:a14="http://schemas.microsoft.com/office/drawing/2010/main">
                 <a:noFill/>
               </a14:hiddenFill>
             </a:ext>
@@ -24672,7 +24681,7 @@
           </a:ln>
           <a:extLst>
             <a:ext uri="{909E8E84-426E-40DD-AFC4-6F175D3DCCD1}">
-              <a14:hiddenFill xmlns:a14="http://schemas.microsoft.com/office/drawing/2010/main" xmlns="">
+              <a14:hiddenFill xmlns="" xmlns:a14="http://schemas.microsoft.com/office/drawing/2010/main">
                 <a:noFill/>
               </a14:hiddenFill>
             </a:ext>
@@ -24978,7 +24987,7 @@
           </a:ln>
           <a:extLst>
             <a:ext uri="{909E8E84-426E-40DD-AFC4-6F175D3DCCD1}">
-              <a14:hiddenFill xmlns:a14="http://schemas.microsoft.com/office/drawing/2010/main" xmlns="">
+              <a14:hiddenFill xmlns="" xmlns:a14="http://schemas.microsoft.com/office/drawing/2010/main">
                 <a:noFill/>
               </a14:hiddenFill>
             </a:ext>
@@ -25155,7 +25164,7 @@
           </a:ln>
           <a:extLst>
             <a:ext uri="{909E8E84-426E-40DD-AFC4-6F175D3DCCD1}">
-              <a14:hiddenFill xmlns:a14="http://schemas.microsoft.com/office/drawing/2010/main" xmlns="">
+              <a14:hiddenFill xmlns="" xmlns:a14="http://schemas.microsoft.com/office/drawing/2010/main">
                 <a:noFill/>
               </a14:hiddenFill>
             </a:ext>
@@ -25358,7 +25367,7 @@
           </a:ln>
           <a:extLst>
             <a:ext uri="{909E8E84-426E-40DD-AFC4-6F175D3DCCD1}">
-              <a14:hiddenFill xmlns:a14="http://schemas.microsoft.com/office/drawing/2010/main" xmlns="">
+              <a14:hiddenFill xmlns="" xmlns:a14="http://schemas.microsoft.com/office/drawing/2010/main">
                 <a:noFill/>
               </a14:hiddenFill>
             </a:ext>
@@ -25637,7 +25646,7 @@
             <a:blip r:embed="rId4" cstate="print">
               <a:extLst>
                 <a:ext uri="{28A0092B-C50C-407E-A947-70E740481C1C}">
-                  <a14:useLocalDpi xmlns:a14="http://schemas.microsoft.com/office/drawing/2010/main" xmlns="" val="0"/>
+                  <a14:useLocalDpi xmlns="" xmlns:a14="http://schemas.microsoft.com/office/drawing/2010/main" val="0"/>
                 </a:ext>
               </a:extLst>
             </a:blip>
@@ -25659,7 +25668,7 @@
     </p:spTree>
     <p:extLst>
       <p:ext uri="{BB962C8B-B14F-4D97-AF65-F5344CB8AC3E}">
-        <p14:creationId xmlns:p14="http://schemas.microsoft.com/office/powerpoint/2010/main" xmlns="" val="3344209813"/>
+        <p14:creationId xmlns="" xmlns:p14="http://schemas.microsoft.com/office/powerpoint/2010/main" val="3344209813"/>
       </p:ext>
     </p:extLst>
   </p:cSld>
